--- a/Presentation 1.pptx
+++ b/Presentation 1.pptx
@@ -4,15 +4,28 @@
   <p:sldMasterIdLst>
     <p:sldMasterId id="2147483672" r:id="rId1"/>
   </p:sldMasterIdLst>
+  <p:notesMasterIdLst>
+    <p:notesMasterId r:id="rId20"/>
+  </p:notesMasterIdLst>
   <p:sldIdLst>
     <p:sldId id="256" r:id="rId2"/>
     <p:sldId id="263" r:id="rId3"/>
     <p:sldId id="257" r:id="rId4"/>
-    <p:sldId id="258" r:id="rId5"/>
-    <p:sldId id="259" r:id="rId6"/>
-    <p:sldId id="262" r:id="rId7"/>
-    <p:sldId id="261" r:id="rId8"/>
-    <p:sldId id="260" r:id="rId9"/>
+    <p:sldId id="270" r:id="rId5"/>
+    <p:sldId id="269" r:id="rId6"/>
+    <p:sldId id="271" r:id="rId7"/>
+    <p:sldId id="258" r:id="rId8"/>
+    <p:sldId id="273" r:id="rId9"/>
+    <p:sldId id="272" r:id="rId10"/>
+    <p:sldId id="261" r:id="rId11"/>
+    <p:sldId id="264" r:id="rId12"/>
+    <p:sldId id="260" r:id="rId13"/>
+    <p:sldId id="265" r:id="rId14"/>
+    <p:sldId id="259" r:id="rId15"/>
+    <p:sldId id="266" r:id="rId16"/>
+    <p:sldId id="267" r:id="rId17"/>
+    <p:sldId id="262" r:id="rId18"/>
+    <p:sldId id="268" r:id="rId19"/>
   </p:sldIdLst>
   <p:sldSz cx="12192000" cy="6858000"/>
   <p:notesSz cx="6858000" cy="9144000"/>
@@ -111,11 +124,985 @@
       </a:defRPr>
     </a:lvl9pPr>
   </p:defaultTextStyle>
+  <p:extLst>
+    <p:ext uri="{EFAFB233-063F-42B5-8137-9DF3F51BA10A}">
+      <p15:sldGuideLst xmlns:p15="http://schemas.microsoft.com/office/powerpoint/2012/main"/>
+    </p:ext>
+  </p:extLst>
 </p:presentation>
 </file>
 
 <file path=ppt/revisionInfo.xml><?xml version="1.0" encoding="utf-8"?>
 <p1510:revInfo xmlns:a="http://schemas.openxmlformats.org/drawingml/2006/main" xmlns:r="http://schemas.openxmlformats.org/officeDocument/2006/relationships" xmlns:p1510="http://schemas.microsoft.com/office/powerpoint/2015/10/main"/>
+</file>
+
+<file path=ppt/notesMasters/notesMaster1.xml><?xml version="1.0" encoding="utf-8"?>
+<p:notesMaster xmlns:a="http://schemas.openxmlformats.org/drawingml/2006/main" xmlns:r="http://schemas.openxmlformats.org/officeDocument/2006/relationships" xmlns:p="http://schemas.openxmlformats.org/presentationml/2006/main">
+  <p:cSld>
+    <p:bg>
+      <p:bgRef idx="1001">
+        <a:schemeClr val="bg1"/>
+      </p:bgRef>
+    </p:bg>
+    <p:spTree>
+      <p:nvGrpSpPr>
+        <p:cNvPr id="1" name=""/>
+        <p:cNvGrpSpPr/>
+        <p:nvPr/>
+      </p:nvGrpSpPr>
+      <p:grpSpPr>
+        <a:xfrm>
+          <a:off x="0" y="0"/>
+          <a:ext cx="0" cy="0"/>
+          <a:chOff x="0" y="0"/>
+          <a:chExt cx="0" cy="0"/>
+        </a:xfrm>
+      </p:grpSpPr>
+      <p:sp>
+        <p:nvSpPr>
+          <p:cNvPr id="2" name="Header Placeholder 1"/>
+          <p:cNvSpPr>
+            <a:spLocks noGrp="1"/>
+          </p:cNvSpPr>
+          <p:nvPr>
+            <p:ph type="hdr" sz="quarter"/>
+          </p:nvPr>
+        </p:nvSpPr>
+        <p:spPr>
+          <a:xfrm>
+            <a:off x="0" y="0"/>
+            <a:ext cx="2971800" cy="458788"/>
+          </a:xfrm>
+          <a:prstGeom prst="rect">
+            <a:avLst/>
+          </a:prstGeom>
+        </p:spPr>
+        <p:txBody>
+          <a:bodyPr vert="horz" lIns="91440" tIns="45720" rIns="91440" bIns="45720" rtlCol="0"/>
+          <a:lstStyle>
+            <a:lvl1pPr algn="l">
+              <a:defRPr sz="1200"/>
+            </a:lvl1pPr>
+          </a:lstStyle>
+          <a:p>
+            <a:endParaRPr lang="en-US"/>
+          </a:p>
+        </p:txBody>
+      </p:sp>
+      <p:sp>
+        <p:nvSpPr>
+          <p:cNvPr id="3" name="Date Placeholder 2"/>
+          <p:cNvSpPr>
+            <a:spLocks noGrp="1"/>
+          </p:cNvSpPr>
+          <p:nvPr>
+            <p:ph type="dt" idx="1"/>
+          </p:nvPr>
+        </p:nvSpPr>
+        <p:spPr>
+          <a:xfrm>
+            <a:off x="3884613" y="0"/>
+            <a:ext cx="2971800" cy="458788"/>
+          </a:xfrm>
+          <a:prstGeom prst="rect">
+            <a:avLst/>
+          </a:prstGeom>
+        </p:spPr>
+        <p:txBody>
+          <a:bodyPr vert="horz" lIns="91440" tIns="45720" rIns="91440" bIns="45720" rtlCol="0"/>
+          <a:lstStyle>
+            <a:lvl1pPr algn="r">
+              <a:defRPr sz="1200"/>
+            </a:lvl1pPr>
+          </a:lstStyle>
+          <a:p>
+            <a:fld id="{1D32F584-52A5-4FDD-9B31-1B0FC89F63E4}" type="datetimeFigureOut">
+              <a:rPr lang="en-US" smtClean="0"/>
+              <a:t>2/22/2018</a:t>
+            </a:fld>
+            <a:endParaRPr lang="en-US"/>
+          </a:p>
+        </p:txBody>
+      </p:sp>
+      <p:sp>
+        <p:nvSpPr>
+          <p:cNvPr id="4" name="Slide Image Placeholder 3"/>
+          <p:cNvSpPr>
+            <a:spLocks noGrp="1" noRot="1" noChangeAspect="1"/>
+          </p:cNvSpPr>
+          <p:nvPr>
+            <p:ph type="sldImg" idx="2"/>
+          </p:nvPr>
+        </p:nvSpPr>
+        <p:spPr>
+          <a:xfrm>
+            <a:off x="685800" y="1143000"/>
+            <a:ext cx="5486400" cy="3086100"/>
+          </a:xfrm>
+          <a:prstGeom prst="rect">
+            <a:avLst/>
+          </a:prstGeom>
+          <a:noFill/>
+          <a:ln w="12700">
+            <a:solidFill>
+              <a:prstClr val="black"/>
+            </a:solidFill>
+          </a:ln>
+        </p:spPr>
+        <p:txBody>
+          <a:bodyPr vert="horz" lIns="91440" tIns="45720" rIns="91440" bIns="45720" rtlCol="0" anchor="ctr"/>
+          <a:lstStyle/>
+          <a:p>
+            <a:endParaRPr lang="en-US"/>
+          </a:p>
+        </p:txBody>
+      </p:sp>
+      <p:sp>
+        <p:nvSpPr>
+          <p:cNvPr id="5" name="Notes Placeholder 4"/>
+          <p:cNvSpPr>
+            <a:spLocks noGrp="1"/>
+          </p:cNvSpPr>
+          <p:nvPr>
+            <p:ph type="body" sz="quarter" idx="3"/>
+          </p:nvPr>
+        </p:nvSpPr>
+        <p:spPr>
+          <a:xfrm>
+            <a:off x="685800" y="4400550"/>
+            <a:ext cx="5486400" cy="3600450"/>
+          </a:xfrm>
+          <a:prstGeom prst="rect">
+            <a:avLst/>
+          </a:prstGeom>
+        </p:spPr>
+        <p:txBody>
+          <a:bodyPr vert="horz" lIns="91440" tIns="45720" rIns="91440" bIns="45720" rtlCol="0"/>
+          <a:lstStyle/>
+          <a:p>
+            <a:pPr lvl="0"/>
+            <a:r>
+              <a:rPr lang="en-US"/>
+              <a:t>Edit Master text styles</a:t>
+            </a:r>
+          </a:p>
+          <a:p>
+            <a:pPr lvl="1"/>
+            <a:r>
+              <a:rPr lang="en-US"/>
+              <a:t>Second level</a:t>
+            </a:r>
+          </a:p>
+          <a:p>
+            <a:pPr lvl="2"/>
+            <a:r>
+              <a:rPr lang="en-US"/>
+              <a:t>Third level</a:t>
+            </a:r>
+          </a:p>
+          <a:p>
+            <a:pPr lvl="3"/>
+            <a:r>
+              <a:rPr lang="en-US"/>
+              <a:t>Fourth level</a:t>
+            </a:r>
+          </a:p>
+          <a:p>
+            <a:pPr lvl="4"/>
+            <a:r>
+              <a:rPr lang="en-US"/>
+              <a:t>Fifth level</a:t>
+            </a:r>
+          </a:p>
+        </p:txBody>
+      </p:sp>
+      <p:sp>
+        <p:nvSpPr>
+          <p:cNvPr id="6" name="Footer Placeholder 5"/>
+          <p:cNvSpPr>
+            <a:spLocks noGrp="1"/>
+          </p:cNvSpPr>
+          <p:nvPr>
+            <p:ph type="ftr" sz="quarter" idx="4"/>
+          </p:nvPr>
+        </p:nvSpPr>
+        <p:spPr>
+          <a:xfrm>
+            <a:off x="0" y="8685213"/>
+            <a:ext cx="2971800" cy="458787"/>
+          </a:xfrm>
+          <a:prstGeom prst="rect">
+            <a:avLst/>
+          </a:prstGeom>
+        </p:spPr>
+        <p:txBody>
+          <a:bodyPr vert="horz" lIns="91440" tIns="45720" rIns="91440" bIns="45720" rtlCol="0" anchor="b"/>
+          <a:lstStyle>
+            <a:lvl1pPr algn="l">
+              <a:defRPr sz="1200"/>
+            </a:lvl1pPr>
+          </a:lstStyle>
+          <a:p>
+            <a:endParaRPr lang="en-US"/>
+          </a:p>
+        </p:txBody>
+      </p:sp>
+      <p:sp>
+        <p:nvSpPr>
+          <p:cNvPr id="7" name="Slide Number Placeholder 6"/>
+          <p:cNvSpPr>
+            <a:spLocks noGrp="1"/>
+          </p:cNvSpPr>
+          <p:nvPr>
+            <p:ph type="sldNum" sz="quarter" idx="5"/>
+          </p:nvPr>
+        </p:nvSpPr>
+        <p:spPr>
+          <a:xfrm>
+            <a:off x="3884613" y="8685213"/>
+            <a:ext cx="2971800" cy="458787"/>
+          </a:xfrm>
+          <a:prstGeom prst="rect">
+            <a:avLst/>
+          </a:prstGeom>
+        </p:spPr>
+        <p:txBody>
+          <a:bodyPr vert="horz" lIns="91440" tIns="45720" rIns="91440" bIns="45720" rtlCol="0" anchor="b"/>
+          <a:lstStyle>
+            <a:lvl1pPr algn="r">
+              <a:defRPr sz="1200"/>
+            </a:lvl1pPr>
+          </a:lstStyle>
+          <a:p>
+            <a:fld id="{C61BEAF5-ED4D-47A4-96E1-9C527569852A}" type="slidenum">
+              <a:rPr lang="en-US" smtClean="0"/>
+              <a:t>‹#›</a:t>
+            </a:fld>
+            <a:endParaRPr lang="en-US"/>
+          </a:p>
+        </p:txBody>
+      </p:sp>
+    </p:spTree>
+    <p:extLst>
+      <p:ext uri="{BB962C8B-B14F-4D97-AF65-F5344CB8AC3E}">
+        <p14:creationId xmlns:p14="http://schemas.microsoft.com/office/powerpoint/2010/main" val="2199936146"/>
+      </p:ext>
+    </p:extLst>
+  </p:cSld>
+  <p:clrMap bg1="lt1" tx1="dk1" bg2="lt2" tx2="dk2" accent1="accent1" accent2="accent2" accent3="accent3" accent4="accent4" accent5="accent5" accent6="accent6" hlink="hlink" folHlink="folHlink"/>
+  <p:notesStyle>
+    <a:lvl1pPr marL="0" algn="l" defTabSz="914400" rtl="0" eaLnBrk="1" latinLnBrk="0" hangingPunct="1">
+      <a:defRPr sz="1200" kern="1200">
+        <a:solidFill>
+          <a:schemeClr val="tx1"/>
+        </a:solidFill>
+        <a:latin typeface="+mn-lt"/>
+        <a:ea typeface="+mn-ea"/>
+        <a:cs typeface="+mn-cs"/>
+      </a:defRPr>
+    </a:lvl1pPr>
+    <a:lvl2pPr marL="457200" algn="l" defTabSz="914400" rtl="0" eaLnBrk="1" latinLnBrk="0" hangingPunct="1">
+      <a:defRPr sz="1200" kern="1200">
+        <a:solidFill>
+          <a:schemeClr val="tx1"/>
+        </a:solidFill>
+        <a:latin typeface="+mn-lt"/>
+        <a:ea typeface="+mn-ea"/>
+        <a:cs typeface="+mn-cs"/>
+      </a:defRPr>
+    </a:lvl2pPr>
+    <a:lvl3pPr marL="914400" algn="l" defTabSz="914400" rtl="0" eaLnBrk="1" latinLnBrk="0" hangingPunct="1">
+      <a:defRPr sz="1200" kern="1200">
+        <a:solidFill>
+          <a:schemeClr val="tx1"/>
+        </a:solidFill>
+        <a:latin typeface="+mn-lt"/>
+        <a:ea typeface="+mn-ea"/>
+        <a:cs typeface="+mn-cs"/>
+      </a:defRPr>
+    </a:lvl3pPr>
+    <a:lvl4pPr marL="1371600" algn="l" defTabSz="914400" rtl="0" eaLnBrk="1" latinLnBrk="0" hangingPunct="1">
+      <a:defRPr sz="1200" kern="1200">
+        <a:solidFill>
+          <a:schemeClr val="tx1"/>
+        </a:solidFill>
+        <a:latin typeface="+mn-lt"/>
+        <a:ea typeface="+mn-ea"/>
+        <a:cs typeface="+mn-cs"/>
+      </a:defRPr>
+    </a:lvl4pPr>
+    <a:lvl5pPr marL="1828800" algn="l" defTabSz="914400" rtl="0" eaLnBrk="1" latinLnBrk="0" hangingPunct="1">
+      <a:defRPr sz="1200" kern="1200">
+        <a:solidFill>
+          <a:schemeClr val="tx1"/>
+        </a:solidFill>
+        <a:latin typeface="+mn-lt"/>
+        <a:ea typeface="+mn-ea"/>
+        <a:cs typeface="+mn-cs"/>
+      </a:defRPr>
+    </a:lvl5pPr>
+    <a:lvl6pPr marL="2286000" algn="l" defTabSz="914400" rtl="0" eaLnBrk="1" latinLnBrk="0" hangingPunct="1">
+      <a:defRPr sz="1200" kern="1200">
+        <a:solidFill>
+          <a:schemeClr val="tx1"/>
+        </a:solidFill>
+        <a:latin typeface="+mn-lt"/>
+        <a:ea typeface="+mn-ea"/>
+        <a:cs typeface="+mn-cs"/>
+      </a:defRPr>
+    </a:lvl6pPr>
+    <a:lvl7pPr marL="2743200" algn="l" defTabSz="914400" rtl="0" eaLnBrk="1" latinLnBrk="0" hangingPunct="1">
+      <a:defRPr sz="1200" kern="1200">
+        <a:solidFill>
+          <a:schemeClr val="tx1"/>
+        </a:solidFill>
+        <a:latin typeface="+mn-lt"/>
+        <a:ea typeface="+mn-ea"/>
+        <a:cs typeface="+mn-cs"/>
+      </a:defRPr>
+    </a:lvl7pPr>
+    <a:lvl8pPr marL="3200400" algn="l" defTabSz="914400" rtl="0" eaLnBrk="1" latinLnBrk="0" hangingPunct="1">
+      <a:defRPr sz="1200" kern="1200">
+        <a:solidFill>
+          <a:schemeClr val="tx1"/>
+        </a:solidFill>
+        <a:latin typeface="+mn-lt"/>
+        <a:ea typeface="+mn-ea"/>
+        <a:cs typeface="+mn-cs"/>
+      </a:defRPr>
+    </a:lvl8pPr>
+    <a:lvl9pPr marL="3657600" algn="l" defTabSz="914400" rtl="0" eaLnBrk="1" latinLnBrk="0" hangingPunct="1">
+      <a:defRPr sz="1200" kern="1200">
+        <a:solidFill>
+          <a:schemeClr val="tx1"/>
+        </a:solidFill>
+        <a:latin typeface="+mn-lt"/>
+        <a:ea typeface="+mn-ea"/>
+        <a:cs typeface="+mn-cs"/>
+      </a:defRPr>
+    </a:lvl9pPr>
+  </p:notesStyle>
+</p:notesMaster>
+</file>
+
+<file path=ppt/notesSlides/notesSlide1.xml><?xml version="1.0" encoding="utf-8"?>
+<p:notes xmlns:a="http://schemas.openxmlformats.org/drawingml/2006/main" xmlns:r="http://schemas.openxmlformats.org/officeDocument/2006/relationships" xmlns:p="http://schemas.openxmlformats.org/presentationml/2006/main">
+  <p:cSld>
+    <p:spTree>
+      <p:nvGrpSpPr>
+        <p:cNvPr id="1" name=""/>
+        <p:cNvGrpSpPr/>
+        <p:nvPr/>
+      </p:nvGrpSpPr>
+      <p:grpSpPr>
+        <a:xfrm>
+          <a:off x="0" y="0"/>
+          <a:ext cx="0" cy="0"/>
+          <a:chOff x="0" y="0"/>
+          <a:chExt cx="0" cy="0"/>
+        </a:xfrm>
+      </p:grpSpPr>
+      <p:sp>
+        <p:nvSpPr>
+          <p:cNvPr id="2" name="Slide Image Placeholder 1"/>
+          <p:cNvSpPr>
+            <a:spLocks noGrp="1" noRot="1" noChangeAspect="1"/>
+          </p:cNvSpPr>
+          <p:nvPr>
+            <p:ph type="sldImg"/>
+          </p:nvPr>
+        </p:nvSpPr>
+        <p:spPr/>
+      </p:sp>
+      <p:sp>
+        <p:nvSpPr>
+          <p:cNvPr id="3" name="Notes Placeholder 2"/>
+          <p:cNvSpPr>
+            <a:spLocks noGrp="1"/>
+          </p:cNvSpPr>
+          <p:nvPr>
+            <p:ph type="body" idx="1"/>
+          </p:nvPr>
+        </p:nvSpPr>
+        <p:spPr/>
+        <p:txBody>
+          <a:bodyPr/>
+          <a:lstStyle/>
+          <a:p>
+            <a:r>
+              <a:rPr lang="en-US" dirty="0"/>
+              <a:t>“You should talk about the end project”</a:t>
+            </a:r>
+          </a:p>
+          <a:p>
+            <a:endParaRPr lang="en-US" dirty="0"/>
+          </a:p>
+          <a:p>
+            <a:r>
+              <a:rPr lang="en-US" dirty="0"/>
+              <a:t>What is your idea. Pitch it as if you were trying to get funding. (That will be one of the survey questions that the class answers) Why is this a good idea? What is the market? </a:t>
+            </a:r>
+            <a:r>
+              <a:rPr lang="en-US" dirty="0" err="1"/>
+              <a:t>Etc</a:t>
+            </a:r>
+            <a:r>
+              <a:rPr lang="en-US" dirty="0"/>
+              <a:t>, etc.</a:t>
+            </a:r>
+          </a:p>
+          <a:p>
+            <a:endParaRPr lang="en-US" dirty="0"/>
+          </a:p>
+        </p:txBody>
+      </p:sp>
+      <p:sp>
+        <p:nvSpPr>
+          <p:cNvPr id="4" name="Slide Number Placeholder 3"/>
+          <p:cNvSpPr>
+            <a:spLocks noGrp="1"/>
+          </p:cNvSpPr>
+          <p:nvPr>
+            <p:ph type="sldNum" sz="quarter" idx="10"/>
+          </p:nvPr>
+        </p:nvSpPr>
+        <p:spPr/>
+        <p:txBody>
+          <a:bodyPr/>
+          <a:lstStyle/>
+          <a:p>
+            <a:fld id="{C61BEAF5-ED4D-47A4-96E1-9C527569852A}" type="slidenum">
+              <a:rPr lang="en-US" smtClean="0"/>
+              <a:t>3</a:t>
+            </a:fld>
+            <a:endParaRPr lang="en-US"/>
+          </a:p>
+        </p:txBody>
+      </p:sp>
+    </p:spTree>
+    <p:extLst>
+      <p:ext uri="{BB962C8B-B14F-4D97-AF65-F5344CB8AC3E}">
+        <p14:creationId xmlns:p14="http://schemas.microsoft.com/office/powerpoint/2010/main" val="4214729718"/>
+      </p:ext>
+    </p:extLst>
+  </p:cSld>
+  <p:clrMapOvr>
+    <a:masterClrMapping/>
+  </p:clrMapOvr>
+</p:notes>
+</file>
+
+<file path=ppt/notesSlides/notesSlide2.xml><?xml version="1.0" encoding="utf-8"?>
+<p:notes xmlns:a="http://schemas.openxmlformats.org/drawingml/2006/main" xmlns:r="http://schemas.openxmlformats.org/officeDocument/2006/relationships" xmlns:p="http://schemas.openxmlformats.org/presentationml/2006/main">
+  <p:cSld>
+    <p:spTree>
+      <p:nvGrpSpPr>
+        <p:cNvPr id="1" name=""/>
+        <p:cNvGrpSpPr/>
+        <p:nvPr/>
+      </p:nvGrpSpPr>
+      <p:grpSpPr>
+        <a:xfrm>
+          <a:off x="0" y="0"/>
+          <a:ext cx="0" cy="0"/>
+          <a:chOff x="0" y="0"/>
+          <a:chExt cx="0" cy="0"/>
+        </a:xfrm>
+      </p:grpSpPr>
+      <p:sp>
+        <p:nvSpPr>
+          <p:cNvPr id="2" name="Slide Image Placeholder 1"/>
+          <p:cNvSpPr>
+            <a:spLocks noGrp="1" noRot="1" noChangeAspect="1"/>
+          </p:cNvSpPr>
+          <p:nvPr>
+            <p:ph type="sldImg"/>
+          </p:nvPr>
+        </p:nvSpPr>
+        <p:spPr/>
+      </p:sp>
+      <p:sp>
+        <p:nvSpPr>
+          <p:cNvPr id="3" name="Notes Placeholder 2"/>
+          <p:cNvSpPr>
+            <a:spLocks noGrp="1"/>
+          </p:cNvSpPr>
+          <p:nvPr>
+            <p:ph type="body" idx="1"/>
+          </p:nvPr>
+        </p:nvSpPr>
+        <p:spPr/>
+        <p:txBody>
+          <a:bodyPr/>
+          <a:lstStyle/>
+          <a:p>
+            <a:r>
+              <a:rPr lang="en-US" dirty="0"/>
+              <a:t>“You should talk about the end project”</a:t>
+            </a:r>
+          </a:p>
+          <a:p>
+            <a:endParaRPr lang="en-US" dirty="0"/>
+          </a:p>
+          <a:p>
+            <a:r>
+              <a:rPr lang="en-US" dirty="0"/>
+              <a:t>What is your idea. Pitch it as if you were trying to get funding. (That will be one of the survey questions that the class answers) Why is this a good idea? What is the market? </a:t>
+            </a:r>
+            <a:r>
+              <a:rPr lang="en-US" dirty="0" err="1"/>
+              <a:t>Etc</a:t>
+            </a:r>
+            <a:r>
+              <a:rPr lang="en-US" dirty="0"/>
+              <a:t>, etc.</a:t>
+            </a:r>
+          </a:p>
+          <a:p>
+            <a:endParaRPr lang="en-US" dirty="0"/>
+          </a:p>
+        </p:txBody>
+      </p:sp>
+      <p:sp>
+        <p:nvSpPr>
+          <p:cNvPr id="4" name="Slide Number Placeholder 3"/>
+          <p:cNvSpPr>
+            <a:spLocks noGrp="1"/>
+          </p:cNvSpPr>
+          <p:nvPr>
+            <p:ph type="sldNum" sz="quarter" idx="10"/>
+          </p:nvPr>
+        </p:nvSpPr>
+        <p:spPr/>
+        <p:txBody>
+          <a:bodyPr/>
+          <a:lstStyle/>
+          <a:p>
+            <a:fld id="{C61BEAF5-ED4D-47A4-96E1-9C527569852A}" type="slidenum">
+              <a:rPr lang="en-US" smtClean="0"/>
+              <a:t>4</a:t>
+            </a:fld>
+            <a:endParaRPr lang="en-US"/>
+          </a:p>
+        </p:txBody>
+      </p:sp>
+    </p:spTree>
+    <p:extLst>
+      <p:ext uri="{BB962C8B-B14F-4D97-AF65-F5344CB8AC3E}">
+        <p14:creationId xmlns:p14="http://schemas.microsoft.com/office/powerpoint/2010/main" val="1199680221"/>
+      </p:ext>
+    </p:extLst>
+  </p:cSld>
+  <p:clrMapOvr>
+    <a:masterClrMapping/>
+  </p:clrMapOvr>
+</p:notes>
+</file>
+
+<file path=ppt/notesSlides/notesSlide3.xml><?xml version="1.0" encoding="utf-8"?>
+<p:notes xmlns:a="http://schemas.openxmlformats.org/drawingml/2006/main" xmlns:r="http://schemas.openxmlformats.org/officeDocument/2006/relationships" xmlns:p="http://schemas.openxmlformats.org/presentationml/2006/main">
+  <p:cSld>
+    <p:spTree>
+      <p:nvGrpSpPr>
+        <p:cNvPr id="1" name=""/>
+        <p:cNvGrpSpPr/>
+        <p:nvPr/>
+      </p:nvGrpSpPr>
+      <p:grpSpPr>
+        <a:xfrm>
+          <a:off x="0" y="0"/>
+          <a:ext cx="0" cy="0"/>
+          <a:chOff x="0" y="0"/>
+          <a:chExt cx="0" cy="0"/>
+        </a:xfrm>
+      </p:grpSpPr>
+      <p:sp>
+        <p:nvSpPr>
+          <p:cNvPr id="2" name="Slide Image Placeholder 1"/>
+          <p:cNvSpPr>
+            <a:spLocks noGrp="1" noRot="1" noChangeAspect="1"/>
+          </p:cNvSpPr>
+          <p:nvPr>
+            <p:ph type="sldImg"/>
+          </p:nvPr>
+        </p:nvSpPr>
+        <p:spPr/>
+      </p:sp>
+      <p:sp>
+        <p:nvSpPr>
+          <p:cNvPr id="3" name="Notes Placeholder 2"/>
+          <p:cNvSpPr>
+            <a:spLocks noGrp="1"/>
+          </p:cNvSpPr>
+          <p:nvPr>
+            <p:ph type="body" idx="1"/>
+          </p:nvPr>
+        </p:nvSpPr>
+        <p:spPr/>
+        <p:txBody>
+          <a:bodyPr/>
+          <a:lstStyle/>
+          <a:p>
+            <a:r>
+              <a:rPr lang="en-US" dirty="0"/>
+              <a:t>“You should talk about the end project”</a:t>
+            </a:r>
+          </a:p>
+          <a:p>
+            <a:endParaRPr lang="en-US" dirty="0"/>
+          </a:p>
+          <a:p>
+            <a:r>
+              <a:rPr lang="en-US" dirty="0"/>
+              <a:t>What is your idea. Pitch it as if you were trying to get funding. (That will be one of the survey questions that the class answers) Why is this a good idea? What is the market? </a:t>
+            </a:r>
+            <a:r>
+              <a:rPr lang="en-US" dirty="0" err="1"/>
+              <a:t>Etc</a:t>
+            </a:r>
+            <a:r>
+              <a:rPr lang="en-US" dirty="0"/>
+              <a:t>, etc.</a:t>
+            </a:r>
+          </a:p>
+          <a:p>
+            <a:endParaRPr lang="en-US" dirty="0"/>
+          </a:p>
+        </p:txBody>
+      </p:sp>
+      <p:sp>
+        <p:nvSpPr>
+          <p:cNvPr id="4" name="Slide Number Placeholder 3"/>
+          <p:cNvSpPr>
+            <a:spLocks noGrp="1"/>
+          </p:cNvSpPr>
+          <p:nvPr>
+            <p:ph type="sldNum" sz="quarter" idx="10"/>
+          </p:nvPr>
+        </p:nvSpPr>
+        <p:spPr/>
+        <p:txBody>
+          <a:bodyPr/>
+          <a:lstStyle/>
+          <a:p>
+            <a:fld id="{C61BEAF5-ED4D-47A4-96E1-9C527569852A}" type="slidenum">
+              <a:rPr lang="en-US" smtClean="0"/>
+              <a:t>5</a:t>
+            </a:fld>
+            <a:endParaRPr lang="en-US"/>
+          </a:p>
+        </p:txBody>
+      </p:sp>
+    </p:spTree>
+    <p:extLst>
+      <p:ext uri="{BB962C8B-B14F-4D97-AF65-F5344CB8AC3E}">
+        <p14:creationId xmlns:p14="http://schemas.microsoft.com/office/powerpoint/2010/main" val="4148510145"/>
+      </p:ext>
+    </p:extLst>
+  </p:cSld>
+  <p:clrMapOvr>
+    <a:masterClrMapping/>
+  </p:clrMapOvr>
+</p:notes>
+</file>
+
+<file path=ppt/notesSlides/notesSlide4.xml><?xml version="1.0" encoding="utf-8"?>
+<p:notes xmlns:a="http://schemas.openxmlformats.org/drawingml/2006/main" xmlns:r="http://schemas.openxmlformats.org/officeDocument/2006/relationships" xmlns:p="http://schemas.openxmlformats.org/presentationml/2006/main">
+  <p:cSld>
+    <p:spTree>
+      <p:nvGrpSpPr>
+        <p:cNvPr id="1" name=""/>
+        <p:cNvGrpSpPr/>
+        <p:nvPr/>
+      </p:nvGrpSpPr>
+      <p:grpSpPr>
+        <a:xfrm>
+          <a:off x="0" y="0"/>
+          <a:ext cx="0" cy="0"/>
+          <a:chOff x="0" y="0"/>
+          <a:chExt cx="0" cy="0"/>
+        </a:xfrm>
+      </p:grpSpPr>
+      <p:sp>
+        <p:nvSpPr>
+          <p:cNvPr id="2" name="Slide Image Placeholder 1"/>
+          <p:cNvSpPr>
+            <a:spLocks noGrp="1" noRot="1" noChangeAspect="1"/>
+          </p:cNvSpPr>
+          <p:nvPr>
+            <p:ph type="sldImg"/>
+          </p:nvPr>
+        </p:nvSpPr>
+        <p:spPr/>
+      </p:sp>
+      <p:sp>
+        <p:nvSpPr>
+          <p:cNvPr id="3" name="Notes Placeholder 2"/>
+          <p:cNvSpPr>
+            <a:spLocks noGrp="1"/>
+          </p:cNvSpPr>
+          <p:nvPr>
+            <p:ph type="body" idx="1"/>
+          </p:nvPr>
+        </p:nvSpPr>
+        <p:spPr/>
+        <p:txBody>
+          <a:bodyPr/>
+          <a:lstStyle/>
+          <a:p>
+            <a:r>
+              <a:rPr lang="en-US" dirty="0"/>
+              <a:t>“You should talk about the end project”</a:t>
+            </a:r>
+          </a:p>
+          <a:p>
+            <a:endParaRPr lang="en-US" dirty="0"/>
+          </a:p>
+          <a:p>
+            <a:r>
+              <a:rPr lang="en-US" dirty="0"/>
+              <a:t>What is your idea. Pitch it as if you were trying to get funding. (That will be one of the survey questions that the class answers) Why is this a good idea? What is the market? </a:t>
+            </a:r>
+            <a:r>
+              <a:rPr lang="en-US" dirty="0" err="1"/>
+              <a:t>Etc</a:t>
+            </a:r>
+            <a:r>
+              <a:rPr lang="en-US" dirty="0"/>
+              <a:t>, etc.</a:t>
+            </a:r>
+          </a:p>
+          <a:p>
+            <a:endParaRPr lang="en-US" dirty="0"/>
+          </a:p>
+        </p:txBody>
+      </p:sp>
+      <p:sp>
+        <p:nvSpPr>
+          <p:cNvPr id="4" name="Slide Number Placeholder 3"/>
+          <p:cNvSpPr>
+            <a:spLocks noGrp="1"/>
+          </p:cNvSpPr>
+          <p:nvPr>
+            <p:ph type="sldNum" sz="quarter" idx="10"/>
+          </p:nvPr>
+        </p:nvSpPr>
+        <p:spPr/>
+        <p:txBody>
+          <a:bodyPr/>
+          <a:lstStyle/>
+          <a:p>
+            <a:fld id="{C61BEAF5-ED4D-47A4-96E1-9C527569852A}" type="slidenum">
+              <a:rPr lang="en-US" smtClean="0"/>
+              <a:t>6</a:t>
+            </a:fld>
+            <a:endParaRPr lang="en-US"/>
+          </a:p>
+        </p:txBody>
+      </p:sp>
+    </p:spTree>
+    <p:extLst>
+      <p:ext uri="{BB962C8B-B14F-4D97-AF65-F5344CB8AC3E}">
+        <p14:creationId xmlns:p14="http://schemas.microsoft.com/office/powerpoint/2010/main" val="1425511333"/>
+      </p:ext>
+    </p:extLst>
+  </p:cSld>
+  <p:clrMapOvr>
+    <a:masterClrMapping/>
+  </p:clrMapOvr>
+</p:notes>
+</file>
+
+<file path=ppt/notesSlides/notesSlide5.xml><?xml version="1.0" encoding="utf-8"?>
+<p:notes xmlns:a="http://schemas.openxmlformats.org/drawingml/2006/main" xmlns:r="http://schemas.openxmlformats.org/officeDocument/2006/relationships" xmlns:p="http://schemas.openxmlformats.org/presentationml/2006/main">
+  <p:cSld>
+    <p:spTree>
+      <p:nvGrpSpPr>
+        <p:cNvPr id="1" name=""/>
+        <p:cNvGrpSpPr/>
+        <p:nvPr/>
+      </p:nvGrpSpPr>
+      <p:grpSpPr>
+        <a:xfrm>
+          <a:off x="0" y="0"/>
+          <a:ext cx="0" cy="0"/>
+          <a:chOff x="0" y="0"/>
+          <a:chExt cx="0" cy="0"/>
+        </a:xfrm>
+      </p:grpSpPr>
+      <p:sp>
+        <p:nvSpPr>
+          <p:cNvPr id="2" name="Slide Image Placeholder 1"/>
+          <p:cNvSpPr>
+            <a:spLocks noGrp="1" noRot="1" noChangeAspect="1"/>
+          </p:cNvSpPr>
+          <p:nvPr>
+            <p:ph type="sldImg"/>
+          </p:nvPr>
+        </p:nvSpPr>
+        <p:spPr/>
+      </p:sp>
+      <p:sp>
+        <p:nvSpPr>
+          <p:cNvPr id="3" name="Notes Placeholder 2"/>
+          <p:cNvSpPr>
+            <a:spLocks noGrp="1"/>
+          </p:cNvSpPr>
+          <p:nvPr>
+            <p:ph type="body" idx="1"/>
+          </p:nvPr>
+        </p:nvSpPr>
+        <p:spPr/>
+        <p:txBody>
+          <a:bodyPr/>
+          <a:lstStyle/>
+          <a:p>
+            <a:r>
+              <a:rPr lang="en-US" dirty="0"/>
+              <a:t>“what it will take to get it done”</a:t>
+            </a:r>
+          </a:p>
+          <a:p>
+            <a:r>
+              <a:rPr lang="en-US" dirty="0"/>
+              <a:t>“What will your team do to get the project complete. ”</a:t>
+            </a:r>
+          </a:p>
+          <a:p>
+            <a:endParaRPr lang="en-US" dirty="0"/>
+          </a:p>
+        </p:txBody>
+      </p:sp>
+      <p:sp>
+        <p:nvSpPr>
+          <p:cNvPr id="4" name="Slide Number Placeholder 3"/>
+          <p:cNvSpPr>
+            <a:spLocks noGrp="1"/>
+          </p:cNvSpPr>
+          <p:nvPr>
+            <p:ph type="sldNum" sz="quarter" idx="10"/>
+          </p:nvPr>
+        </p:nvSpPr>
+        <p:spPr/>
+        <p:txBody>
+          <a:bodyPr/>
+          <a:lstStyle/>
+          <a:p>
+            <a:fld id="{C61BEAF5-ED4D-47A4-96E1-9C527569852A}" type="slidenum">
+              <a:rPr lang="en-US" smtClean="0"/>
+              <a:t>7</a:t>
+            </a:fld>
+            <a:endParaRPr lang="en-US"/>
+          </a:p>
+        </p:txBody>
+      </p:sp>
+    </p:spTree>
+    <p:extLst>
+      <p:ext uri="{BB962C8B-B14F-4D97-AF65-F5344CB8AC3E}">
+        <p14:creationId xmlns:p14="http://schemas.microsoft.com/office/powerpoint/2010/main" val="3921338643"/>
+      </p:ext>
+    </p:extLst>
+  </p:cSld>
+  <p:clrMapOvr>
+    <a:masterClrMapping/>
+  </p:clrMapOvr>
+</p:notes>
+</file>
+
+<file path=ppt/notesSlides/notesSlide6.xml><?xml version="1.0" encoding="utf-8"?>
+<p:notes xmlns:a="http://schemas.openxmlformats.org/drawingml/2006/main" xmlns:r="http://schemas.openxmlformats.org/officeDocument/2006/relationships" xmlns:p="http://schemas.openxmlformats.org/presentationml/2006/main">
+  <p:cSld>
+    <p:spTree>
+      <p:nvGrpSpPr>
+        <p:cNvPr id="1" name=""/>
+        <p:cNvGrpSpPr/>
+        <p:nvPr/>
+      </p:nvGrpSpPr>
+      <p:grpSpPr>
+        <a:xfrm>
+          <a:off x="0" y="0"/>
+          <a:ext cx="0" cy="0"/>
+          <a:chOff x="0" y="0"/>
+          <a:chExt cx="0" cy="0"/>
+        </a:xfrm>
+      </p:grpSpPr>
+      <p:sp>
+        <p:nvSpPr>
+          <p:cNvPr id="2" name="Slide Image Placeholder 1"/>
+          <p:cNvSpPr>
+            <a:spLocks noGrp="1" noRot="1" noChangeAspect="1"/>
+          </p:cNvSpPr>
+          <p:nvPr>
+            <p:ph type="sldImg"/>
+          </p:nvPr>
+        </p:nvSpPr>
+        <p:spPr/>
+      </p:sp>
+      <p:sp>
+        <p:nvSpPr>
+          <p:cNvPr id="3" name="Notes Placeholder 2"/>
+          <p:cNvSpPr>
+            <a:spLocks noGrp="1"/>
+          </p:cNvSpPr>
+          <p:nvPr>
+            <p:ph type="body" idx="1"/>
+          </p:nvPr>
+        </p:nvSpPr>
+        <p:spPr/>
+        <p:txBody>
+          <a:bodyPr/>
+          <a:lstStyle/>
+          <a:p>
+            <a:r>
+              <a:rPr lang="en-US" dirty="0"/>
+              <a:t>“what it will take to get it done”</a:t>
+            </a:r>
+          </a:p>
+          <a:p>
+            <a:r>
+              <a:rPr lang="en-US" dirty="0"/>
+              <a:t>“What will your team do to get the project complete. ”</a:t>
+            </a:r>
+          </a:p>
+          <a:p>
+            <a:endParaRPr lang="en-US" dirty="0"/>
+          </a:p>
+        </p:txBody>
+      </p:sp>
+      <p:sp>
+        <p:nvSpPr>
+          <p:cNvPr id="4" name="Slide Number Placeholder 3"/>
+          <p:cNvSpPr>
+            <a:spLocks noGrp="1"/>
+          </p:cNvSpPr>
+          <p:nvPr>
+            <p:ph type="sldNum" sz="quarter" idx="10"/>
+          </p:nvPr>
+        </p:nvSpPr>
+        <p:spPr/>
+        <p:txBody>
+          <a:bodyPr/>
+          <a:lstStyle/>
+          <a:p>
+            <a:fld id="{C61BEAF5-ED4D-47A4-96E1-9C527569852A}" type="slidenum">
+              <a:rPr lang="en-US" smtClean="0"/>
+              <a:t>8</a:t>
+            </a:fld>
+            <a:endParaRPr lang="en-US"/>
+          </a:p>
+        </p:txBody>
+      </p:sp>
+    </p:spTree>
+    <p:extLst>
+      <p:ext uri="{BB962C8B-B14F-4D97-AF65-F5344CB8AC3E}">
+        <p14:creationId xmlns:p14="http://schemas.microsoft.com/office/powerpoint/2010/main" val="4173589130"/>
+      </p:ext>
+    </p:extLst>
+  </p:cSld>
+  <p:clrMapOvr>
+    <a:masterClrMapping/>
+  </p:clrMapOvr>
+</p:notes>
 </file>
 
 <file path=ppt/slideLayouts/slideLayout1.xml><?xml version="1.0" encoding="utf-8"?>
@@ -578,9 +1565,9 @@
             </a:lvl1pPr>
           </a:lstStyle>
           <a:p>
-            <a:fld id="{9C52D887-F9B0-4063-AC97-D9EEE8C28A94}" type="datetimeFigureOut">
+            <a:fld id="{9BCFD08A-D74B-4A38-9975-41DBA9514DA5}" type="datetime1">
               <a:rPr lang="en-US" smtClean="0"/>
-              <a:t>2/19/2018</a:t>
+              <a:t>2/22/2018</a:t>
             </a:fld>
             <a:endParaRPr lang="en-US"/>
           </a:p>
@@ -617,7 +1604,10 @@
             </a:lvl1pPr>
           </a:lstStyle>
           <a:p>
-            <a:endParaRPr lang="en-US"/>
+            <a:r>
+              <a:rPr lang="en-US"/>
+              <a:t>Group 5</a:t>
+            </a:r>
           </a:p>
         </p:txBody>
       </p:sp>
@@ -780,9 +1770,9 @@
           <a:bodyPr/>
           <a:lstStyle/>
           <a:p>
-            <a:fld id="{9C52D887-F9B0-4063-AC97-D9EEE8C28A94}" type="datetimeFigureOut">
+            <a:fld id="{003C0841-7B09-4754-8A2C-58E53A6A8EE9}" type="datetime1">
               <a:rPr lang="en-US" smtClean="0"/>
-              <a:t>2/19/2018</a:t>
+              <a:t>2/22/2018</a:t>
             </a:fld>
             <a:endParaRPr lang="en-US"/>
           </a:p>
@@ -803,7 +1793,10 @@
           <a:bodyPr/>
           <a:lstStyle/>
           <a:p>
-            <a:endParaRPr lang="en-US"/>
+            <a:r>
+              <a:rPr lang="en-US"/>
+              <a:t>Group 5</a:t>
+            </a:r>
           </a:p>
         </p:txBody>
       </p:sp>
@@ -960,9 +1953,9 @@
           <a:bodyPr/>
           <a:lstStyle/>
           <a:p>
-            <a:fld id="{9C52D887-F9B0-4063-AC97-D9EEE8C28A94}" type="datetimeFigureOut">
+            <a:fld id="{65222F48-9D49-4637-9D0F-F3A252329F95}" type="datetime1">
               <a:rPr lang="en-US" smtClean="0"/>
-              <a:t>2/19/2018</a:t>
+              <a:t>2/22/2018</a:t>
             </a:fld>
             <a:endParaRPr lang="en-US"/>
           </a:p>
@@ -983,7 +1976,10 @@
           <a:bodyPr/>
           <a:lstStyle/>
           <a:p>
-            <a:endParaRPr lang="en-US"/>
+            <a:r>
+              <a:rPr lang="en-US"/>
+              <a:t>Group 5</a:t>
+            </a:r>
           </a:p>
         </p:txBody>
       </p:sp>
@@ -1130,9 +2126,9 @@
           <a:bodyPr/>
           <a:lstStyle/>
           <a:p>
-            <a:fld id="{9C52D887-F9B0-4063-AC97-D9EEE8C28A94}" type="datetimeFigureOut">
+            <a:fld id="{7749C6A3-14D7-4FBB-8989-11A1FA0BD0C2}" type="datetime1">
               <a:rPr lang="en-US" smtClean="0"/>
-              <a:t>2/19/2018</a:t>
+              <a:t>2/22/2018</a:t>
             </a:fld>
             <a:endParaRPr lang="en-US"/>
           </a:p>
@@ -1153,7 +2149,10 @@
           <a:bodyPr/>
           <a:lstStyle/>
           <a:p>
-            <a:endParaRPr lang="en-US"/>
+            <a:r>
+              <a:rPr lang="en-US"/>
+              <a:t>Group 5</a:t>
+            </a:r>
           </a:p>
         </p:txBody>
       </p:sp>
@@ -1701,9 +2700,9 @@
             </a:lvl1pPr>
           </a:lstStyle>
           <a:p>
-            <a:fld id="{9C52D887-F9B0-4063-AC97-D9EEE8C28A94}" type="datetimeFigureOut">
+            <a:fld id="{5B69BAB2-5A94-4F98-8E25-C6AAB35B7BAC}" type="datetime1">
               <a:rPr lang="en-US" smtClean="0"/>
-              <a:t>2/19/2018</a:t>
+              <a:t>2/22/2018</a:t>
             </a:fld>
             <a:endParaRPr lang="en-US"/>
           </a:p>
@@ -1733,7 +2732,10 @@
             </a:lvl1pPr>
           </a:lstStyle>
           <a:p>
-            <a:endParaRPr lang="en-US"/>
+            <a:r>
+              <a:rPr lang="en-US"/>
+              <a:t>Group 5</a:t>
+            </a:r>
           </a:p>
         </p:txBody>
       </p:sp>
@@ -2003,9 +3005,9 @@
           <a:bodyPr/>
           <a:lstStyle/>
           <a:p>
-            <a:fld id="{9C52D887-F9B0-4063-AC97-D9EEE8C28A94}" type="datetimeFigureOut">
+            <a:fld id="{072BFD0A-C9F4-485D-826E-F88A83A4FE69}" type="datetime1">
               <a:rPr lang="en-US" smtClean="0"/>
-              <a:t>2/19/2018</a:t>
+              <a:t>2/22/2018</a:t>
             </a:fld>
             <a:endParaRPr lang="en-US"/>
           </a:p>
@@ -2026,7 +3028,10 @@
           <a:bodyPr/>
           <a:lstStyle/>
           <a:p>
-            <a:endParaRPr lang="en-US"/>
+            <a:r>
+              <a:rPr lang="en-US"/>
+              <a:t>Group 5</a:t>
+            </a:r>
           </a:p>
         </p:txBody>
       </p:sp>
@@ -2440,9 +3445,9 @@
           <a:bodyPr/>
           <a:lstStyle/>
           <a:p>
-            <a:fld id="{9C52D887-F9B0-4063-AC97-D9EEE8C28A94}" type="datetimeFigureOut">
+            <a:fld id="{1B92F5DF-6C78-4DB9-A6BB-8C9B333803AE}" type="datetime1">
               <a:rPr lang="en-US" smtClean="0"/>
-              <a:t>2/19/2018</a:t>
+              <a:t>2/22/2018</a:t>
             </a:fld>
             <a:endParaRPr lang="en-US"/>
           </a:p>
@@ -2463,7 +3468,10 @@
           <a:bodyPr/>
           <a:lstStyle/>
           <a:p>
-            <a:endParaRPr lang="en-US"/>
+            <a:r>
+              <a:rPr lang="en-US"/>
+              <a:t>Group 5</a:t>
+            </a:r>
           </a:p>
         </p:txBody>
       </p:sp>
@@ -2558,9 +3566,9 @@
           <a:bodyPr/>
           <a:lstStyle/>
           <a:p>
-            <a:fld id="{9C52D887-F9B0-4063-AC97-D9EEE8C28A94}" type="datetimeFigureOut">
+            <a:fld id="{56E05AF1-0074-46B5-A49A-37F83725F33C}" type="datetime1">
               <a:rPr lang="en-US" smtClean="0"/>
-              <a:t>2/19/2018</a:t>
+              <a:t>2/22/2018</a:t>
             </a:fld>
             <a:endParaRPr lang="en-US"/>
           </a:p>
@@ -2581,7 +3589,10 @@
           <a:bodyPr/>
           <a:lstStyle/>
           <a:p>
-            <a:endParaRPr lang="en-US"/>
+            <a:r>
+              <a:rPr lang="en-US"/>
+              <a:t>Group 5</a:t>
+            </a:r>
           </a:p>
         </p:txBody>
       </p:sp>
@@ -2653,9 +3664,9 @@
           <a:bodyPr/>
           <a:lstStyle/>
           <a:p>
-            <a:fld id="{9C52D887-F9B0-4063-AC97-D9EEE8C28A94}" type="datetimeFigureOut">
+            <a:fld id="{66710770-8109-49A8-924A-9D9E05C2591E}" type="datetime1">
               <a:rPr lang="en-US" smtClean="0"/>
-              <a:t>2/19/2018</a:t>
+              <a:t>2/22/2018</a:t>
             </a:fld>
             <a:endParaRPr lang="en-US"/>
           </a:p>
@@ -2676,7 +3687,10 @@
           <a:bodyPr/>
           <a:lstStyle/>
           <a:p>
-            <a:endParaRPr lang="en-US"/>
+            <a:r>
+              <a:rPr lang="en-US"/>
+              <a:t>Group 5</a:t>
+            </a:r>
           </a:p>
         </p:txBody>
       </p:sp>
@@ -3035,9 +4049,9 @@
           <a:bodyPr/>
           <a:lstStyle/>
           <a:p>
-            <a:fld id="{9C52D887-F9B0-4063-AC97-D9EEE8C28A94}" type="datetimeFigureOut">
+            <a:fld id="{9F11074E-AA47-4855-AAC2-DA6D32168E0B}" type="datetime1">
               <a:rPr lang="en-US" smtClean="0"/>
-              <a:t>2/19/2018</a:t>
+              <a:t>2/22/2018</a:t>
             </a:fld>
             <a:endParaRPr lang="en-US"/>
           </a:p>
@@ -3062,7 +4076,10 @@
             </a:lvl1pPr>
           </a:lstStyle>
           <a:p>
-            <a:endParaRPr lang="en-US"/>
+            <a:r>
+              <a:rPr lang="en-US"/>
+              <a:t>Group 5</a:t>
+            </a:r>
           </a:p>
         </p:txBody>
       </p:sp>
@@ -3429,9 +4446,9 @@
             </a:lvl1pPr>
           </a:lstStyle>
           <a:p>
-            <a:fld id="{9C52D887-F9B0-4063-AC97-D9EEE8C28A94}" type="datetimeFigureOut">
+            <a:fld id="{F09773D2-02CC-4A5B-BA32-4942FC71B27C}" type="datetime1">
               <a:rPr lang="en-US" smtClean="0"/>
-              <a:t>2/19/2018</a:t>
+              <a:t>2/22/2018</a:t>
             </a:fld>
             <a:endParaRPr lang="en-US"/>
           </a:p>
@@ -3470,7 +4487,10 @@
             </a:lvl1pPr>
           </a:lstStyle>
           <a:p>
-            <a:endParaRPr lang="en-US"/>
+            <a:r>
+              <a:rPr lang="en-US"/>
+              <a:t>Group 5</a:t>
+            </a:r>
           </a:p>
         </p:txBody>
       </p:sp>
@@ -3742,9 +4762,9 @@
             </a:lvl1pPr>
           </a:lstStyle>
           <a:p>
-            <a:fld id="{9C52D887-F9B0-4063-AC97-D9EEE8C28A94}" type="datetimeFigureOut">
+            <a:fld id="{D589C08E-797A-44BE-8E35-829D7FA4F09E}" type="datetime1">
               <a:rPr lang="en-US" smtClean="0"/>
-              <a:t>2/19/2018</a:t>
+              <a:t>2/22/2018</a:t>
             </a:fld>
             <a:endParaRPr lang="en-US"/>
           </a:p>
@@ -3784,7 +4804,10 @@
             </a:lvl1pPr>
           </a:lstStyle>
           <a:p>
-            <a:endParaRPr lang="en-US"/>
+            <a:r>
+              <a:rPr lang="en-US"/>
+              <a:t>Group 5</a:t>
+            </a:r>
           </a:p>
         </p:txBody>
       </p:sp>
@@ -3851,6 +4874,7 @@
     <p:sldLayoutId id="2147483682" r:id="rId10"/>
     <p:sldLayoutId id="2147483683" r:id="rId11"/>
   </p:sldLayoutIdLst>
+  <p:hf sldNum="0" hdr="0" dt="0"/>
   <p:txStyles>
     <p:titleStyle>
       <a:lvl1pPr algn="l" defTabSz="914400" rtl="0" eaLnBrk="1" latinLnBrk="0" hangingPunct="1">
@@ -4192,7 +5216,7 @@
       </a:lvl9pPr>
     </p:otherStyle>
   </p:txStyles>
-  <p:extLst>
+  <p:extLst mod="1">
     <p:ext uri="{27BBF7A9-308A-43DC-89C8-2F10F3537804}">
       <p15:sldGuideLst xmlns:p15="http://schemas.microsoft.com/office/powerpoint/2012/main"/>
     </p:ext>
@@ -4275,7 +5299,35 @@
           <a:p>
             <a:r>
               <a:rPr lang="en-US" dirty="0"/>
-              <a:t>Team 5</a:t>
+              <a:t>Group 5</a:t>
+            </a:r>
+          </a:p>
+        </p:txBody>
+      </p:sp>
+      <p:sp>
+        <p:nvSpPr>
+          <p:cNvPr id="4" name="Footer Placeholder 3">
+            <a:extLst>
+              <a:ext uri="{FF2B5EF4-FFF2-40B4-BE49-F238E27FC236}">
+                <a16:creationId xmlns:a16="http://schemas.microsoft.com/office/drawing/2014/main" id="{1C7FBA52-BE55-4785-8B2A-6D707F4DF1E9}"/>
+              </a:ext>
+            </a:extLst>
+          </p:cNvPr>
+          <p:cNvSpPr>
+            <a:spLocks noGrp="1"/>
+          </p:cNvSpPr>
+          <p:nvPr>
+            <p:ph type="ftr" sz="quarter" idx="11"/>
+          </p:nvPr>
+        </p:nvSpPr>
+        <p:spPr/>
+        <p:txBody>
+          <a:bodyPr/>
+          <a:lstStyle/>
+          <a:p>
+            <a:r>
+              <a:rPr lang="en-US"/>
+              <a:t>Group 5</a:t>
             </a:r>
           </a:p>
         </p:txBody>
@@ -4284,6 +5336,1023 @@
     <p:extLst>
       <p:ext uri="{BB962C8B-B14F-4D97-AF65-F5344CB8AC3E}">
         <p14:creationId xmlns:p14="http://schemas.microsoft.com/office/powerpoint/2010/main" val="293706785"/>
+      </p:ext>
+    </p:extLst>
+  </p:cSld>
+  <p:clrMapOvr>
+    <a:masterClrMapping/>
+  </p:clrMapOvr>
+</p:sld>
+</file>
+
+<file path=ppt/slides/slide10.xml><?xml version="1.0" encoding="utf-8"?>
+<p:sld xmlns:a="http://schemas.openxmlformats.org/drawingml/2006/main" xmlns:r="http://schemas.openxmlformats.org/officeDocument/2006/relationships" xmlns:p="http://schemas.openxmlformats.org/presentationml/2006/main">
+  <p:cSld>
+    <p:spTree>
+      <p:nvGrpSpPr>
+        <p:cNvPr id="1" name=""/>
+        <p:cNvGrpSpPr/>
+        <p:nvPr/>
+      </p:nvGrpSpPr>
+      <p:grpSpPr>
+        <a:xfrm>
+          <a:off x="0" y="0"/>
+          <a:ext cx="0" cy="0"/>
+          <a:chOff x="0" y="0"/>
+          <a:chExt cx="0" cy="0"/>
+        </a:xfrm>
+      </p:grpSpPr>
+      <p:sp>
+        <p:nvSpPr>
+          <p:cNvPr id="2" name="Title 1">
+            <a:extLst>
+              <a:ext uri="{FF2B5EF4-FFF2-40B4-BE49-F238E27FC236}">
+                <a16:creationId xmlns:a16="http://schemas.microsoft.com/office/drawing/2014/main" id="{4512550F-E7F6-47C7-839D-EAF65A2544FE}"/>
+              </a:ext>
+            </a:extLst>
+          </p:cNvPr>
+          <p:cNvSpPr>
+            <a:spLocks noGrp="1"/>
+          </p:cNvSpPr>
+          <p:nvPr>
+            <p:ph type="title"/>
+          </p:nvPr>
+        </p:nvSpPr>
+        <p:spPr/>
+        <p:txBody>
+          <a:bodyPr/>
+          <a:lstStyle/>
+          <a:p>
+            <a:r>
+              <a:rPr lang="en-US" dirty="0"/>
+              <a:t>Use Case Diagram</a:t>
+            </a:r>
+          </a:p>
+        </p:txBody>
+      </p:sp>
+      <p:sp>
+        <p:nvSpPr>
+          <p:cNvPr id="3" name="Content Placeholder 2">
+            <a:extLst>
+              <a:ext uri="{FF2B5EF4-FFF2-40B4-BE49-F238E27FC236}">
+                <a16:creationId xmlns:a16="http://schemas.microsoft.com/office/drawing/2014/main" id="{D2D50C29-6391-4CF1-A064-B16EE9EFE10E}"/>
+              </a:ext>
+            </a:extLst>
+          </p:cNvPr>
+          <p:cNvSpPr>
+            <a:spLocks noGrp="1"/>
+          </p:cNvSpPr>
+          <p:nvPr>
+            <p:ph idx="1"/>
+          </p:nvPr>
+        </p:nvSpPr>
+        <p:spPr/>
+        <p:txBody>
+          <a:bodyPr/>
+          <a:lstStyle/>
+          <a:p>
+            <a:endParaRPr lang="en-US"/>
+          </a:p>
+        </p:txBody>
+      </p:sp>
+      <p:sp>
+        <p:nvSpPr>
+          <p:cNvPr id="4" name="Footer Placeholder 3">
+            <a:extLst>
+              <a:ext uri="{FF2B5EF4-FFF2-40B4-BE49-F238E27FC236}">
+                <a16:creationId xmlns:a16="http://schemas.microsoft.com/office/drawing/2014/main" id="{0327FC85-F346-40C4-B4E5-97400B92C650}"/>
+              </a:ext>
+            </a:extLst>
+          </p:cNvPr>
+          <p:cNvSpPr>
+            <a:spLocks noGrp="1"/>
+          </p:cNvSpPr>
+          <p:nvPr>
+            <p:ph type="ftr" sz="quarter" idx="11"/>
+          </p:nvPr>
+        </p:nvSpPr>
+        <p:spPr/>
+        <p:txBody>
+          <a:bodyPr/>
+          <a:lstStyle/>
+          <a:p>
+            <a:r>
+              <a:rPr lang="en-US" sz="2000" dirty="0"/>
+              <a:t>Group 5</a:t>
+            </a:r>
+          </a:p>
+        </p:txBody>
+      </p:sp>
+    </p:spTree>
+    <p:extLst>
+      <p:ext uri="{BB962C8B-B14F-4D97-AF65-F5344CB8AC3E}">
+        <p14:creationId xmlns:p14="http://schemas.microsoft.com/office/powerpoint/2010/main" val="510797634"/>
+      </p:ext>
+    </p:extLst>
+  </p:cSld>
+  <p:clrMapOvr>
+    <a:masterClrMapping/>
+  </p:clrMapOvr>
+</p:sld>
+</file>
+
+<file path=ppt/slides/slide11.xml><?xml version="1.0" encoding="utf-8"?>
+<p:sld xmlns:a="http://schemas.openxmlformats.org/drawingml/2006/main" xmlns:r="http://schemas.openxmlformats.org/officeDocument/2006/relationships" xmlns:p="http://schemas.openxmlformats.org/presentationml/2006/main">
+  <p:cSld>
+    <p:spTree>
+      <p:nvGrpSpPr>
+        <p:cNvPr id="1" name=""/>
+        <p:cNvGrpSpPr/>
+        <p:nvPr/>
+      </p:nvGrpSpPr>
+      <p:grpSpPr>
+        <a:xfrm>
+          <a:off x="0" y="0"/>
+          <a:ext cx="0" cy="0"/>
+          <a:chOff x="0" y="0"/>
+          <a:chExt cx="0" cy="0"/>
+        </a:xfrm>
+      </p:grpSpPr>
+      <p:sp>
+        <p:nvSpPr>
+          <p:cNvPr id="2" name="Title 1">
+            <a:extLst>
+              <a:ext uri="{FF2B5EF4-FFF2-40B4-BE49-F238E27FC236}">
+                <a16:creationId xmlns:a16="http://schemas.microsoft.com/office/drawing/2014/main" id="{A8AA9FB4-60D8-4FA7-80C0-5CBED74F51AC}"/>
+              </a:ext>
+            </a:extLst>
+          </p:cNvPr>
+          <p:cNvSpPr>
+            <a:spLocks noGrp="1"/>
+          </p:cNvSpPr>
+          <p:nvPr>
+            <p:ph type="title"/>
+          </p:nvPr>
+        </p:nvSpPr>
+        <p:spPr/>
+        <p:txBody>
+          <a:bodyPr/>
+          <a:lstStyle/>
+          <a:p>
+            <a:r>
+              <a:rPr lang="en-US" dirty="0"/>
+              <a:t>Class Diagram</a:t>
+            </a:r>
+          </a:p>
+        </p:txBody>
+      </p:sp>
+      <p:sp>
+        <p:nvSpPr>
+          <p:cNvPr id="3" name="Content Placeholder 2">
+            <a:extLst>
+              <a:ext uri="{FF2B5EF4-FFF2-40B4-BE49-F238E27FC236}">
+                <a16:creationId xmlns:a16="http://schemas.microsoft.com/office/drawing/2014/main" id="{954C2AE5-9C99-42EC-892A-1F1C9E41B174}"/>
+              </a:ext>
+            </a:extLst>
+          </p:cNvPr>
+          <p:cNvSpPr>
+            <a:spLocks noGrp="1"/>
+          </p:cNvSpPr>
+          <p:nvPr>
+            <p:ph idx="1"/>
+          </p:nvPr>
+        </p:nvSpPr>
+        <p:spPr/>
+        <p:txBody>
+          <a:bodyPr/>
+          <a:lstStyle/>
+          <a:p>
+            <a:endParaRPr lang="en-US"/>
+          </a:p>
+        </p:txBody>
+      </p:sp>
+      <p:sp>
+        <p:nvSpPr>
+          <p:cNvPr id="4" name="Footer Placeholder 3">
+            <a:extLst>
+              <a:ext uri="{FF2B5EF4-FFF2-40B4-BE49-F238E27FC236}">
+                <a16:creationId xmlns:a16="http://schemas.microsoft.com/office/drawing/2014/main" id="{999F7EC8-8BF7-4755-9982-31B19437F52D}"/>
+              </a:ext>
+            </a:extLst>
+          </p:cNvPr>
+          <p:cNvSpPr>
+            <a:spLocks noGrp="1"/>
+          </p:cNvSpPr>
+          <p:nvPr>
+            <p:ph type="ftr" sz="quarter" idx="11"/>
+          </p:nvPr>
+        </p:nvSpPr>
+        <p:spPr/>
+        <p:txBody>
+          <a:bodyPr/>
+          <a:lstStyle/>
+          <a:p>
+            <a:r>
+              <a:rPr lang="en-US" sz="2000" dirty="0"/>
+              <a:t>Group 5</a:t>
+            </a:r>
+          </a:p>
+        </p:txBody>
+      </p:sp>
+    </p:spTree>
+    <p:extLst>
+      <p:ext uri="{BB962C8B-B14F-4D97-AF65-F5344CB8AC3E}">
+        <p14:creationId xmlns:p14="http://schemas.microsoft.com/office/powerpoint/2010/main" val="910162895"/>
+      </p:ext>
+    </p:extLst>
+  </p:cSld>
+  <p:clrMapOvr>
+    <a:masterClrMapping/>
+  </p:clrMapOvr>
+</p:sld>
+</file>
+
+<file path=ppt/slides/slide12.xml><?xml version="1.0" encoding="utf-8"?>
+<p:sld xmlns:a="http://schemas.openxmlformats.org/drawingml/2006/main" xmlns:r="http://schemas.openxmlformats.org/officeDocument/2006/relationships" xmlns:p="http://schemas.openxmlformats.org/presentationml/2006/main">
+  <p:cSld>
+    <p:spTree>
+      <p:nvGrpSpPr>
+        <p:cNvPr id="1" name=""/>
+        <p:cNvGrpSpPr/>
+        <p:nvPr/>
+      </p:nvGrpSpPr>
+      <p:grpSpPr>
+        <a:xfrm>
+          <a:off x="0" y="0"/>
+          <a:ext cx="0" cy="0"/>
+          <a:chOff x="0" y="0"/>
+          <a:chExt cx="0" cy="0"/>
+        </a:xfrm>
+      </p:grpSpPr>
+      <p:sp>
+        <p:nvSpPr>
+          <p:cNvPr id="2" name="Title 1">
+            <a:extLst>
+              <a:ext uri="{FF2B5EF4-FFF2-40B4-BE49-F238E27FC236}">
+                <a16:creationId xmlns:a16="http://schemas.microsoft.com/office/drawing/2014/main" id="{A8AA9FB4-60D8-4FA7-80C0-5CBED74F51AC}"/>
+              </a:ext>
+            </a:extLst>
+          </p:cNvPr>
+          <p:cNvSpPr>
+            <a:spLocks noGrp="1"/>
+          </p:cNvSpPr>
+          <p:nvPr>
+            <p:ph type="title"/>
+          </p:nvPr>
+        </p:nvSpPr>
+        <p:spPr/>
+        <p:txBody>
+          <a:bodyPr/>
+          <a:lstStyle/>
+          <a:p>
+            <a:r>
+              <a:rPr lang="en-US" dirty="0"/>
+              <a:t>ERD</a:t>
+            </a:r>
+          </a:p>
+        </p:txBody>
+      </p:sp>
+      <p:sp>
+        <p:nvSpPr>
+          <p:cNvPr id="3" name="Content Placeholder 2">
+            <a:extLst>
+              <a:ext uri="{FF2B5EF4-FFF2-40B4-BE49-F238E27FC236}">
+                <a16:creationId xmlns:a16="http://schemas.microsoft.com/office/drawing/2014/main" id="{954C2AE5-9C99-42EC-892A-1F1C9E41B174}"/>
+              </a:ext>
+            </a:extLst>
+          </p:cNvPr>
+          <p:cNvSpPr>
+            <a:spLocks noGrp="1"/>
+          </p:cNvSpPr>
+          <p:nvPr>
+            <p:ph idx="1"/>
+          </p:nvPr>
+        </p:nvSpPr>
+        <p:spPr/>
+        <p:txBody>
+          <a:bodyPr/>
+          <a:lstStyle/>
+          <a:p>
+            <a:endParaRPr lang="en-US"/>
+          </a:p>
+        </p:txBody>
+      </p:sp>
+      <p:sp>
+        <p:nvSpPr>
+          <p:cNvPr id="4" name="Footer Placeholder 3">
+            <a:extLst>
+              <a:ext uri="{FF2B5EF4-FFF2-40B4-BE49-F238E27FC236}">
+                <a16:creationId xmlns:a16="http://schemas.microsoft.com/office/drawing/2014/main" id="{E2B5CD8D-6EE1-4E17-BBD6-227D263A895B}"/>
+              </a:ext>
+            </a:extLst>
+          </p:cNvPr>
+          <p:cNvSpPr>
+            <a:spLocks noGrp="1"/>
+          </p:cNvSpPr>
+          <p:nvPr>
+            <p:ph type="ftr" sz="quarter" idx="11"/>
+          </p:nvPr>
+        </p:nvSpPr>
+        <p:spPr/>
+        <p:txBody>
+          <a:bodyPr/>
+          <a:lstStyle/>
+          <a:p>
+            <a:r>
+              <a:rPr lang="en-US" sz="2000" dirty="0"/>
+              <a:t>Group 5</a:t>
+            </a:r>
+          </a:p>
+        </p:txBody>
+      </p:sp>
+    </p:spTree>
+    <p:extLst>
+      <p:ext uri="{BB962C8B-B14F-4D97-AF65-F5344CB8AC3E}">
+        <p14:creationId xmlns:p14="http://schemas.microsoft.com/office/powerpoint/2010/main" val="1054131768"/>
+      </p:ext>
+    </p:extLst>
+  </p:cSld>
+  <p:clrMapOvr>
+    <a:masterClrMapping/>
+  </p:clrMapOvr>
+</p:sld>
+</file>
+
+<file path=ppt/slides/slide13.xml><?xml version="1.0" encoding="utf-8"?>
+<p:sld xmlns:a="http://schemas.openxmlformats.org/drawingml/2006/main" xmlns:r="http://schemas.openxmlformats.org/officeDocument/2006/relationships" xmlns:p="http://schemas.openxmlformats.org/presentationml/2006/main">
+  <p:cSld>
+    <p:spTree>
+      <p:nvGrpSpPr>
+        <p:cNvPr id="1" name=""/>
+        <p:cNvGrpSpPr/>
+        <p:nvPr/>
+      </p:nvGrpSpPr>
+      <p:grpSpPr>
+        <a:xfrm>
+          <a:off x="0" y="0"/>
+          <a:ext cx="0" cy="0"/>
+          <a:chOff x="0" y="0"/>
+          <a:chExt cx="0" cy="0"/>
+        </a:xfrm>
+      </p:grpSpPr>
+      <p:sp>
+        <p:nvSpPr>
+          <p:cNvPr id="2" name="Title 1">
+            <a:extLst>
+              <a:ext uri="{FF2B5EF4-FFF2-40B4-BE49-F238E27FC236}">
+                <a16:creationId xmlns:a16="http://schemas.microsoft.com/office/drawing/2014/main" id="{7E660D35-78CC-469C-B754-A11896CDEC56}"/>
+              </a:ext>
+            </a:extLst>
+          </p:cNvPr>
+          <p:cNvSpPr>
+            <a:spLocks noGrp="1"/>
+          </p:cNvSpPr>
+          <p:nvPr>
+            <p:ph type="title"/>
+          </p:nvPr>
+        </p:nvSpPr>
+        <p:spPr/>
+        <p:txBody>
+          <a:bodyPr/>
+          <a:lstStyle/>
+          <a:p>
+            <a:r>
+              <a:rPr lang="en-US" dirty="0"/>
+              <a:t>Platforms and Tools</a:t>
+            </a:r>
+          </a:p>
+        </p:txBody>
+      </p:sp>
+      <p:sp>
+        <p:nvSpPr>
+          <p:cNvPr id="3" name="Content Placeholder 2">
+            <a:extLst>
+              <a:ext uri="{FF2B5EF4-FFF2-40B4-BE49-F238E27FC236}">
+                <a16:creationId xmlns:a16="http://schemas.microsoft.com/office/drawing/2014/main" id="{138E7872-D5F5-40AE-9F27-45FEB1158720}"/>
+              </a:ext>
+            </a:extLst>
+          </p:cNvPr>
+          <p:cNvSpPr>
+            <a:spLocks noGrp="1"/>
+          </p:cNvSpPr>
+          <p:nvPr>
+            <p:ph idx="1"/>
+          </p:nvPr>
+        </p:nvSpPr>
+        <p:spPr/>
+        <p:txBody>
+          <a:bodyPr/>
+          <a:lstStyle/>
+          <a:p>
+            <a:r>
+              <a:rPr lang="en-US" dirty="0"/>
+              <a:t>What are the development platforms and tools. Justify these with your decision rationale.</a:t>
+            </a:r>
+          </a:p>
+          <a:p>
+            <a:endParaRPr lang="en-US" dirty="0"/>
+          </a:p>
+          <a:p>
+            <a:r>
+              <a:rPr lang="en-US" dirty="0"/>
+              <a:t>Web app: LAMP stack</a:t>
+            </a:r>
+          </a:p>
+          <a:p>
+            <a:r>
+              <a:rPr lang="en-US" dirty="0"/>
+              <a:t>Mobile app: React Native, redux</a:t>
+            </a:r>
+          </a:p>
+        </p:txBody>
+      </p:sp>
+      <p:sp>
+        <p:nvSpPr>
+          <p:cNvPr id="4" name="Footer Placeholder 3">
+            <a:extLst>
+              <a:ext uri="{FF2B5EF4-FFF2-40B4-BE49-F238E27FC236}">
+                <a16:creationId xmlns:a16="http://schemas.microsoft.com/office/drawing/2014/main" id="{F47F517F-4BE8-41F3-A08B-7578F7F35E4B}"/>
+              </a:ext>
+            </a:extLst>
+          </p:cNvPr>
+          <p:cNvSpPr>
+            <a:spLocks noGrp="1"/>
+          </p:cNvSpPr>
+          <p:nvPr>
+            <p:ph type="ftr" sz="quarter" idx="11"/>
+          </p:nvPr>
+        </p:nvSpPr>
+        <p:spPr/>
+        <p:txBody>
+          <a:bodyPr/>
+          <a:lstStyle/>
+          <a:p>
+            <a:r>
+              <a:rPr lang="en-US" sz="2000" dirty="0"/>
+              <a:t>Group 5</a:t>
+            </a:r>
+          </a:p>
+        </p:txBody>
+      </p:sp>
+    </p:spTree>
+    <p:extLst>
+      <p:ext uri="{BB962C8B-B14F-4D97-AF65-F5344CB8AC3E}">
+        <p14:creationId xmlns:p14="http://schemas.microsoft.com/office/powerpoint/2010/main" val="711667923"/>
+      </p:ext>
+    </p:extLst>
+  </p:cSld>
+  <p:clrMapOvr>
+    <a:masterClrMapping/>
+  </p:clrMapOvr>
+</p:sld>
+</file>
+
+<file path=ppt/slides/slide14.xml><?xml version="1.0" encoding="utf-8"?>
+<p:sld xmlns:a="http://schemas.openxmlformats.org/drawingml/2006/main" xmlns:r="http://schemas.openxmlformats.org/officeDocument/2006/relationships" xmlns:p="http://schemas.openxmlformats.org/presentationml/2006/main">
+  <p:cSld>
+    <p:spTree>
+      <p:nvGrpSpPr>
+        <p:cNvPr id="1" name=""/>
+        <p:cNvGrpSpPr/>
+        <p:nvPr/>
+      </p:nvGrpSpPr>
+      <p:grpSpPr>
+        <a:xfrm>
+          <a:off x="0" y="0"/>
+          <a:ext cx="0" cy="0"/>
+          <a:chOff x="0" y="0"/>
+          <a:chExt cx="0" cy="0"/>
+        </a:xfrm>
+      </p:grpSpPr>
+      <p:sp>
+        <p:nvSpPr>
+          <p:cNvPr id="2" name="Title 1">
+            <a:extLst>
+              <a:ext uri="{FF2B5EF4-FFF2-40B4-BE49-F238E27FC236}">
+                <a16:creationId xmlns:a16="http://schemas.microsoft.com/office/drawing/2014/main" id="{02D379CD-B4A8-4F40-B2BE-366BCD1FDD35}"/>
+              </a:ext>
+            </a:extLst>
+          </p:cNvPr>
+          <p:cNvSpPr>
+            <a:spLocks noGrp="1"/>
+          </p:cNvSpPr>
+          <p:nvPr>
+            <p:ph type="title"/>
+          </p:nvPr>
+        </p:nvSpPr>
+        <p:spPr/>
+        <p:txBody>
+          <a:bodyPr/>
+          <a:lstStyle/>
+          <a:p>
+            <a:endParaRPr lang="en-US"/>
+          </a:p>
+        </p:txBody>
+      </p:sp>
+      <p:sp>
+        <p:nvSpPr>
+          <p:cNvPr id="3" name="Content Placeholder 2">
+            <a:extLst>
+              <a:ext uri="{FF2B5EF4-FFF2-40B4-BE49-F238E27FC236}">
+                <a16:creationId xmlns:a16="http://schemas.microsoft.com/office/drawing/2014/main" id="{5B18906E-D562-4CEB-8631-3072F66EDA9B}"/>
+              </a:ext>
+            </a:extLst>
+          </p:cNvPr>
+          <p:cNvSpPr>
+            <a:spLocks noGrp="1"/>
+          </p:cNvSpPr>
+          <p:nvPr>
+            <p:ph idx="1"/>
+          </p:nvPr>
+        </p:nvSpPr>
+        <p:spPr/>
+        <p:txBody>
+          <a:bodyPr/>
+          <a:lstStyle/>
+          <a:p>
+            <a:r>
+              <a:rPr lang="en-US" dirty="0"/>
+              <a:t>“what you expect to encounter”</a:t>
+            </a:r>
+          </a:p>
+        </p:txBody>
+      </p:sp>
+      <p:sp>
+        <p:nvSpPr>
+          <p:cNvPr id="4" name="Footer Placeholder 3">
+            <a:extLst>
+              <a:ext uri="{FF2B5EF4-FFF2-40B4-BE49-F238E27FC236}">
+                <a16:creationId xmlns:a16="http://schemas.microsoft.com/office/drawing/2014/main" id="{584A69BC-E6CE-4F82-9E16-B6B3ADE83FEC}"/>
+              </a:ext>
+            </a:extLst>
+          </p:cNvPr>
+          <p:cNvSpPr>
+            <a:spLocks noGrp="1"/>
+          </p:cNvSpPr>
+          <p:nvPr>
+            <p:ph type="ftr" sz="quarter" idx="11"/>
+          </p:nvPr>
+        </p:nvSpPr>
+        <p:spPr/>
+        <p:txBody>
+          <a:bodyPr/>
+          <a:lstStyle/>
+          <a:p>
+            <a:r>
+              <a:rPr lang="en-US" sz="2000" dirty="0"/>
+              <a:t>Group 5</a:t>
+            </a:r>
+          </a:p>
+        </p:txBody>
+      </p:sp>
+    </p:spTree>
+    <p:extLst>
+      <p:ext uri="{BB962C8B-B14F-4D97-AF65-F5344CB8AC3E}">
+        <p14:creationId xmlns:p14="http://schemas.microsoft.com/office/powerpoint/2010/main" val="150748384"/>
+      </p:ext>
+    </p:extLst>
+  </p:cSld>
+  <p:clrMapOvr>
+    <a:masterClrMapping/>
+  </p:clrMapOvr>
+</p:sld>
+</file>
+
+<file path=ppt/slides/slide15.xml><?xml version="1.0" encoding="utf-8"?>
+<p:sld xmlns:a="http://schemas.openxmlformats.org/drawingml/2006/main" xmlns:r="http://schemas.openxmlformats.org/officeDocument/2006/relationships" xmlns:p="http://schemas.openxmlformats.org/presentationml/2006/main">
+  <p:cSld>
+    <p:spTree>
+      <p:nvGrpSpPr>
+        <p:cNvPr id="1" name=""/>
+        <p:cNvGrpSpPr/>
+        <p:nvPr/>
+      </p:nvGrpSpPr>
+      <p:grpSpPr>
+        <a:xfrm>
+          <a:off x="0" y="0"/>
+          <a:ext cx="0" cy="0"/>
+          <a:chOff x="0" y="0"/>
+          <a:chExt cx="0" cy="0"/>
+        </a:xfrm>
+      </p:grpSpPr>
+      <p:sp>
+        <p:nvSpPr>
+          <p:cNvPr id="2" name="Title 1">
+            <a:extLst>
+              <a:ext uri="{FF2B5EF4-FFF2-40B4-BE49-F238E27FC236}">
+                <a16:creationId xmlns:a16="http://schemas.microsoft.com/office/drawing/2014/main" id="{F5A02F37-EFFE-46E2-8428-B93971EC5EFD}"/>
+              </a:ext>
+            </a:extLst>
+          </p:cNvPr>
+          <p:cNvSpPr>
+            <a:spLocks noGrp="1"/>
+          </p:cNvSpPr>
+          <p:nvPr>
+            <p:ph type="title"/>
+          </p:nvPr>
+        </p:nvSpPr>
+        <p:spPr/>
+        <p:txBody>
+          <a:bodyPr/>
+          <a:lstStyle/>
+          <a:p>
+            <a:r>
+              <a:rPr lang="en-US" dirty="0"/>
+              <a:t>Milestones</a:t>
+            </a:r>
+          </a:p>
+        </p:txBody>
+      </p:sp>
+      <p:sp>
+        <p:nvSpPr>
+          <p:cNvPr id="3" name="Content Placeholder 2">
+            <a:extLst>
+              <a:ext uri="{FF2B5EF4-FFF2-40B4-BE49-F238E27FC236}">
+                <a16:creationId xmlns:a16="http://schemas.microsoft.com/office/drawing/2014/main" id="{206A2D12-05DD-482E-A402-112E34B8AB99}"/>
+              </a:ext>
+            </a:extLst>
+          </p:cNvPr>
+          <p:cNvSpPr>
+            <a:spLocks noGrp="1"/>
+          </p:cNvSpPr>
+          <p:nvPr>
+            <p:ph idx="1"/>
+          </p:nvPr>
+        </p:nvSpPr>
+        <p:spPr/>
+        <p:txBody>
+          <a:bodyPr/>
+          <a:lstStyle/>
+          <a:p>
+            <a:endParaRPr lang="en-US"/>
+          </a:p>
+        </p:txBody>
+      </p:sp>
+      <p:sp>
+        <p:nvSpPr>
+          <p:cNvPr id="4" name="Footer Placeholder 3">
+            <a:extLst>
+              <a:ext uri="{FF2B5EF4-FFF2-40B4-BE49-F238E27FC236}">
+                <a16:creationId xmlns:a16="http://schemas.microsoft.com/office/drawing/2014/main" id="{A37CB950-36A3-441A-AEF8-A7C195711FD6}"/>
+              </a:ext>
+            </a:extLst>
+          </p:cNvPr>
+          <p:cNvSpPr>
+            <a:spLocks noGrp="1"/>
+          </p:cNvSpPr>
+          <p:nvPr>
+            <p:ph type="ftr" sz="quarter" idx="11"/>
+          </p:nvPr>
+        </p:nvSpPr>
+        <p:spPr/>
+        <p:txBody>
+          <a:bodyPr/>
+          <a:lstStyle/>
+          <a:p>
+            <a:r>
+              <a:rPr lang="en-US" sz="2000" dirty="0"/>
+              <a:t>Group 5</a:t>
+            </a:r>
+          </a:p>
+        </p:txBody>
+      </p:sp>
+    </p:spTree>
+    <p:extLst>
+      <p:ext uri="{BB962C8B-B14F-4D97-AF65-F5344CB8AC3E}">
+        <p14:creationId xmlns:p14="http://schemas.microsoft.com/office/powerpoint/2010/main" val="3563649270"/>
+      </p:ext>
+    </p:extLst>
+  </p:cSld>
+  <p:clrMapOvr>
+    <a:masterClrMapping/>
+  </p:clrMapOvr>
+</p:sld>
+</file>
+
+<file path=ppt/slides/slide16.xml><?xml version="1.0" encoding="utf-8"?>
+<p:sld xmlns:a="http://schemas.openxmlformats.org/drawingml/2006/main" xmlns:r="http://schemas.openxmlformats.org/officeDocument/2006/relationships" xmlns:p="http://schemas.openxmlformats.org/presentationml/2006/main">
+  <p:cSld>
+    <p:spTree>
+      <p:nvGrpSpPr>
+        <p:cNvPr id="1" name=""/>
+        <p:cNvGrpSpPr/>
+        <p:nvPr/>
+      </p:nvGrpSpPr>
+      <p:grpSpPr>
+        <a:xfrm>
+          <a:off x="0" y="0"/>
+          <a:ext cx="0" cy="0"/>
+          <a:chOff x="0" y="0"/>
+          <a:chExt cx="0" cy="0"/>
+        </a:xfrm>
+      </p:grpSpPr>
+      <p:sp>
+        <p:nvSpPr>
+          <p:cNvPr id="2" name="Title 1">
+            <a:extLst>
+              <a:ext uri="{FF2B5EF4-FFF2-40B4-BE49-F238E27FC236}">
+                <a16:creationId xmlns:a16="http://schemas.microsoft.com/office/drawing/2014/main" id="{D2828E6B-D97D-4A75-87DD-62F855D89E70}"/>
+              </a:ext>
+            </a:extLst>
+          </p:cNvPr>
+          <p:cNvSpPr>
+            <a:spLocks noGrp="1"/>
+          </p:cNvSpPr>
+          <p:nvPr>
+            <p:ph type="title"/>
+          </p:nvPr>
+        </p:nvSpPr>
+        <p:spPr/>
+        <p:txBody>
+          <a:bodyPr/>
+          <a:lstStyle/>
+          <a:p>
+            <a:r>
+              <a:rPr lang="en-US" dirty="0"/>
+              <a:t>Gantt Chart</a:t>
+            </a:r>
+          </a:p>
+        </p:txBody>
+      </p:sp>
+      <p:sp>
+        <p:nvSpPr>
+          <p:cNvPr id="3" name="Content Placeholder 2">
+            <a:extLst>
+              <a:ext uri="{FF2B5EF4-FFF2-40B4-BE49-F238E27FC236}">
+                <a16:creationId xmlns:a16="http://schemas.microsoft.com/office/drawing/2014/main" id="{FB066ED8-D87C-473C-A5F7-6738FC773A5E}"/>
+              </a:ext>
+            </a:extLst>
+          </p:cNvPr>
+          <p:cNvSpPr>
+            <a:spLocks noGrp="1"/>
+          </p:cNvSpPr>
+          <p:nvPr>
+            <p:ph idx="1"/>
+          </p:nvPr>
+        </p:nvSpPr>
+        <p:spPr/>
+        <p:txBody>
+          <a:bodyPr/>
+          <a:lstStyle/>
+          <a:p>
+            <a:endParaRPr lang="en-US"/>
+          </a:p>
+        </p:txBody>
+      </p:sp>
+      <p:sp>
+        <p:nvSpPr>
+          <p:cNvPr id="4" name="Footer Placeholder 3">
+            <a:extLst>
+              <a:ext uri="{FF2B5EF4-FFF2-40B4-BE49-F238E27FC236}">
+                <a16:creationId xmlns:a16="http://schemas.microsoft.com/office/drawing/2014/main" id="{701CC37C-E5BC-4170-922F-5B0191EA6A77}"/>
+              </a:ext>
+            </a:extLst>
+          </p:cNvPr>
+          <p:cNvSpPr>
+            <a:spLocks noGrp="1"/>
+          </p:cNvSpPr>
+          <p:nvPr>
+            <p:ph type="ftr" sz="quarter" idx="11"/>
+          </p:nvPr>
+        </p:nvSpPr>
+        <p:spPr/>
+        <p:txBody>
+          <a:bodyPr/>
+          <a:lstStyle/>
+          <a:p>
+            <a:r>
+              <a:rPr lang="en-US" sz="2000" dirty="0"/>
+              <a:t>Group 5</a:t>
+            </a:r>
+          </a:p>
+        </p:txBody>
+      </p:sp>
+    </p:spTree>
+    <p:extLst>
+      <p:ext uri="{BB962C8B-B14F-4D97-AF65-F5344CB8AC3E}">
+        <p14:creationId xmlns:p14="http://schemas.microsoft.com/office/powerpoint/2010/main" val="792581122"/>
+      </p:ext>
+    </p:extLst>
+  </p:cSld>
+  <p:clrMapOvr>
+    <a:masterClrMapping/>
+  </p:clrMapOvr>
+</p:sld>
+</file>
+
+<file path=ppt/slides/slide17.xml><?xml version="1.0" encoding="utf-8"?>
+<p:sld xmlns:a="http://schemas.openxmlformats.org/drawingml/2006/main" xmlns:r="http://schemas.openxmlformats.org/officeDocument/2006/relationships" xmlns:p="http://schemas.openxmlformats.org/presentationml/2006/main">
+  <p:cSld>
+    <p:spTree>
+      <p:nvGrpSpPr>
+        <p:cNvPr id="1" name=""/>
+        <p:cNvGrpSpPr/>
+        <p:nvPr/>
+      </p:nvGrpSpPr>
+      <p:grpSpPr>
+        <a:xfrm>
+          <a:off x="0" y="0"/>
+          <a:ext cx="0" cy="0"/>
+          <a:chOff x="0" y="0"/>
+          <a:chExt cx="0" cy="0"/>
+        </a:xfrm>
+      </p:grpSpPr>
+      <p:sp>
+        <p:nvSpPr>
+          <p:cNvPr id="2" name="Title 1">
+            <a:extLst>
+              <a:ext uri="{FF2B5EF4-FFF2-40B4-BE49-F238E27FC236}">
+                <a16:creationId xmlns:a16="http://schemas.microsoft.com/office/drawing/2014/main" id="{8298BFBF-14CA-409B-B903-9B552C173060}"/>
+              </a:ext>
+            </a:extLst>
+          </p:cNvPr>
+          <p:cNvSpPr>
+            <a:spLocks noGrp="1"/>
+          </p:cNvSpPr>
+          <p:nvPr>
+            <p:ph type="title"/>
+          </p:nvPr>
+        </p:nvSpPr>
+        <p:spPr/>
+        <p:txBody>
+          <a:bodyPr/>
+          <a:lstStyle/>
+          <a:p>
+            <a:endParaRPr lang="en-US"/>
+          </a:p>
+        </p:txBody>
+      </p:sp>
+      <p:sp>
+        <p:nvSpPr>
+          <p:cNvPr id="3" name="Content Placeholder 2">
+            <a:extLst>
+              <a:ext uri="{FF2B5EF4-FFF2-40B4-BE49-F238E27FC236}">
+                <a16:creationId xmlns:a16="http://schemas.microsoft.com/office/drawing/2014/main" id="{F45044F3-3605-44ED-B181-D9F8B56C5B25}"/>
+              </a:ext>
+            </a:extLst>
+          </p:cNvPr>
+          <p:cNvSpPr>
+            <a:spLocks noGrp="1"/>
+          </p:cNvSpPr>
+          <p:nvPr>
+            <p:ph idx="1"/>
+          </p:nvPr>
+        </p:nvSpPr>
+        <p:spPr/>
+        <p:txBody>
+          <a:bodyPr/>
+          <a:lstStyle/>
+          <a:p>
+            <a:r>
+              <a:rPr lang="en-US" dirty="0"/>
+              <a:t>“enough supporting information to make your case”</a:t>
+            </a:r>
+          </a:p>
+        </p:txBody>
+      </p:sp>
+      <p:sp>
+        <p:nvSpPr>
+          <p:cNvPr id="4" name="Footer Placeholder 3">
+            <a:extLst>
+              <a:ext uri="{FF2B5EF4-FFF2-40B4-BE49-F238E27FC236}">
+                <a16:creationId xmlns:a16="http://schemas.microsoft.com/office/drawing/2014/main" id="{0751F755-FFD7-4BE4-9F5D-F6ACF7935789}"/>
+              </a:ext>
+            </a:extLst>
+          </p:cNvPr>
+          <p:cNvSpPr>
+            <a:spLocks noGrp="1"/>
+          </p:cNvSpPr>
+          <p:nvPr>
+            <p:ph type="ftr" sz="quarter" idx="11"/>
+          </p:nvPr>
+        </p:nvSpPr>
+        <p:spPr/>
+        <p:txBody>
+          <a:bodyPr/>
+          <a:lstStyle/>
+          <a:p>
+            <a:r>
+              <a:rPr lang="en-US" sz="2000" dirty="0"/>
+              <a:t>Group 5</a:t>
+            </a:r>
+          </a:p>
+        </p:txBody>
+      </p:sp>
+    </p:spTree>
+    <p:extLst>
+      <p:ext uri="{BB962C8B-B14F-4D97-AF65-F5344CB8AC3E}">
+        <p14:creationId xmlns:p14="http://schemas.microsoft.com/office/powerpoint/2010/main" val="4292422505"/>
+      </p:ext>
+    </p:extLst>
+  </p:cSld>
+  <p:clrMapOvr>
+    <a:masterClrMapping/>
+  </p:clrMapOvr>
+</p:sld>
+</file>
+
+<file path=ppt/slides/slide18.xml><?xml version="1.0" encoding="utf-8"?>
+<p:sld xmlns:a="http://schemas.openxmlformats.org/drawingml/2006/main" xmlns:r="http://schemas.openxmlformats.org/officeDocument/2006/relationships" xmlns:p="http://schemas.openxmlformats.org/presentationml/2006/main">
+  <p:cSld>
+    <p:spTree>
+      <p:nvGrpSpPr>
+        <p:cNvPr id="1" name=""/>
+        <p:cNvGrpSpPr/>
+        <p:nvPr/>
+      </p:nvGrpSpPr>
+      <p:grpSpPr>
+        <a:xfrm>
+          <a:off x="0" y="0"/>
+          <a:ext cx="0" cy="0"/>
+          <a:chOff x="0" y="0"/>
+          <a:chExt cx="0" cy="0"/>
+        </a:xfrm>
+      </p:grpSpPr>
+      <p:sp>
+        <p:nvSpPr>
+          <p:cNvPr id="2" name="Title 1">
+            <a:extLst>
+              <a:ext uri="{FF2B5EF4-FFF2-40B4-BE49-F238E27FC236}">
+                <a16:creationId xmlns:a16="http://schemas.microsoft.com/office/drawing/2014/main" id="{AAA27289-A6D0-4BAD-A1D7-D7500E2BE311}"/>
+              </a:ext>
+            </a:extLst>
+          </p:cNvPr>
+          <p:cNvSpPr>
+            <a:spLocks noGrp="1"/>
+          </p:cNvSpPr>
+          <p:nvPr>
+            <p:ph type="title"/>
+          </p:nvPr>
+        </p:nvSpPr>
+        <p:spPr/>
+        <p:txBody>
+          <a:bodyPr/>
+          <a:lstStyle/>
+          <a:p>
+            <a:r>
+              <a:rPr lang="en-US" dirty="0"/>
+              <a:t>Questions?</a:t>
+            </a:r>
+          </a:p>
+        </p:txBody>
+      </p:sp>
+      <p:sp>
+        <p:nvSpPr>
+          <p:cNvPr id="3" name="Content Placeholder 2">
+            <a:extLst>
+              <a:ext uri="{FF2B5EF4-FFF2-40B4-BE49-F238E27FC236}">
+                <a16:creationId xmlns:a16="http://schemas.microsoft.com/office/drawing/2014/main" id="{5FCE10DB-9837-4FC4-8DDC-71870D3DB14A}"/>
+              </a:ext>
+            </a:extLst>
+          </p:cNvPr>
+          <p:cNvSpPr>
+            <a:spLocks noGrp="1"/>
+          </p:cNvSpPr>
+          <p:nvPr>
+            <p:ph idx="1"/>
+          </p:nvPr>
+        </p:nvSpPr>
+        <p:spPr/>
+        <p:txBody>
+          <a:bodyPr/>
+          <a:lstStyle/>
+          <a:p>
+            <a:endParaRPr lang="en-US"/>
+          </a:p>
+        </p:txBody>
+      </p:sp>
+      <p:sp>
+        <p:nvSpPr>
+          <p:cNvPr id="4" name="Footer Placeholder 3">
+            <a:extLst>
+              <a:ext uri="{FF2B5EF4-FFF2-40B4-BE49-F238E27FC236}">
+                <a16:creationId xmlns:a16="http://schemas.microsoft.com/office/drawing/2014/main" id="{12D1FCE0-F7AD-4F2B-B974-DBDD9AD5B259}"/>
+              </a:ext>
+            </a:extLst>
+          </p:cNvPr>
+          <p:cNvSpPr>
+            <a:spLocks noGrp="1"/>
+          </p:cNvSpPr>
+          <p:nvPr>
+            <p:ph type="ftr" sz="quarter" idx="11"/>
+          </p:nvPr>
+        </p:nvSpPr>
+        <p:spPr/>
+        <p:txBody>
+          <a:bodyPr/>
+          <a:lstStyle/>
+          <a:p>
+            <a:r>
+              <a:rPr lang="en-US" sz="2000" dirty="0"/>
+              <a:t>Group 5</a:t>
+            </a:r>
+          </a:p>
+        </p:txBody>
+      </p:sp>
+    </p:spTree>
+    <p:extLst>
+      <p:ext uri="{BB962C8B-B14F-4D97-AF65-F5344CB8AC3E}">
+        <p14:creationId xmlns:p14="http://schemas.microsoft.com/office/powerpoint/2010/main" val="3885248914"/>
       </p:ext>
     </p:extLst>
   </p:cSld>
@@ -4333,7 +6402,7 @@
           <a:p>
             <a:r>
               <a:rPr lang="en-US" dirty="0"/>
-              <a:t>Members</a:t>
+              <a:t>Members – Group 5</a:t>
             </a:r>
           </a:p>
         </p:txBody>
@@ -4392,6 +6461,34 @@
             <a:r>
               <a:rPr lang="en-US" dirty="0"/>
               <a:t>Timothy Rigby</a:t>
+            </a:r>
+          </a:p>
+        </p:txBody>
+      </p:sp>
+      <p:sp>
+        <p:nvSpPr>
+          <p:cNvPr id="4" name="Footer Placeholder 3">
+            <a:extLst>
+              <a:ext uri="{FF2B5EF4-FFF2-40B4-BE49-F238E27FC236}">
+                <a16:creationId xmlns:a16="http://schemas.microsoft.com/office/drawing/2014/main" id="{B21A1AB4-CE70-425C-886D-1BD1631D294E}"/>
+              </a:ext>
+            </a:extLst>
+          </p:cNvPr>
+          <p:cNvSpPr>
+            <a:spLocks noGrp="1"/>
+          </p:cNvSpPr>
+          <p:nvPr>
+            <p:ph type="ftr" sz="quarter" idx="11"/>
+          </p:nvPr>
+        </p:nvSpPr>
+        <p:spPr/>
+        <p:txBody>
+          <a:bodyPr/>
+          <a:lstStyle/>
+          <a:p>
+            <a:r>
+              <a:rPr lang="en-US" sz="2000" dirty="0"/>
+              <a:t>Group 5</a:t>
             </a:r>
           </a:p>
         </p:txBody>
@@ -4475,9 +6572,34 @@
           <a:bodyPr/>
           <a:lstStyle/>
           <a:p>
-            <a:r>
-              <a:rPr lang="en-US" dirty="0"/>
-              <a:t>“You should talk about the end project”</a:t>
+            <a:endParaRPr lang="en-US" dirty="0"/>
+          </a:p>
+        </p:txBody>
+      </p:sp>
+      <p:sp>
+        <p:nvSpPr>
+          <p:cNvPr id="4" name="Footer Placeholder 3">
+            <a:extLst>
+              <a:ext uri="{FF2B5EF4-FFF2-40B4-BE49-F238E27FC236}">
+                <a16:creationId xmlns:a16="http://schemas.microsoft.com/office/drawing/2014/main" id="{5B677984-B773-4BCE-9C87-F379C385FD49}"/>
+              </a:ext>
+            </a:extLst>
+          </p:cNvPr>
+          <p:cNvSpPr>
+            <a:spLocks noGrp="1"/>
+          </p:cNvSpPr>
+          <p:nvPr>
+            <p:ph type="ftr" sz="quarter" idx="11"/>
+          </p:nvPr>
+        </p:nvSpPr>
+        <p:spPr/>
+        <p:txBody>
+          <a:bodyPr/>
+          <a:lstStyle/>
+          <a:p>
+            <a:r>
+              <a:rPr lang="en-US" sz="2000" dirty="0"/>
+              <a:t>Group 5</a:t>
             </a:r>
           </a:p>
         </p:txBody>
@@ -4517,7 +6639,7 @@
           <p:cNvPr id="2" name="Title 1">
             <a:extLst>
               <a:ext uri="{FF2B5EF4-FFF2-40B4-BE49-F238E27FC236}">
-                <a16:creationId xmlns:a16="http://schemas.microsoft.com/office/drawing/2014/main" id="{690D02B1-C352-448D-A11C-A34C8E6794D5}"/>
+                <a16:creationId xmlns:a16="http://schemas.microsoft.com/office/drawing/2014/main" id="{A4B27F3B-3AB5-4812-8BDC-222871709EF2}"/>
               </a:ext>
             </a:extLst>
           </p:cNvPr>
@@ -4533,7 +6655,10 @@
           <a:bodyPr/>
           <a:lstStyle/>
           <a:p>
-            <a:endParaRPr lang="en-US" dirty="0"/>
+            <a:r>
+              <a:rPr lang="en-US" dirty="0"/>
+              <a:t>Project Concept – Why?</a:t>
+            </a:r>
           </a:p>
         </p:txBody>
       </p:sp>
@@ -4542,7 +6667,7 @@
           <p:cNvPr id="3" name="Content Placeholder 2">
             <a:extLst>
               <a:ext uri="{FF2B5EF4-FFF2-40B4-BE49-F238E27FC236}">
-                <a16:creationId xmlns:a16="http://schemas.microsoft.com/office/drawing/2014/main" id="{E8E30FF5-B121-41E4-977A-F5146F4104E2}"/>
+                <a16:creationId xmlns:a16="http://schemas.microsoft.com/office/drawing/2014/main" id="{BE2C9698-9EE2-4FD7-B459-BC091952A854}"/>
               </a:ext>
             </a:extLst>
           </p:cNvPr>
@@ -4560,7 +6685,61 @@
           <a:p>
             <a:r>
               <a:rPr lang="en-US" dirty="0"/>
-              <a:t>“what it will take to get it done”</a:t>
+              <a:t>People trying to apply for secondary education often need to hit a community service hour requirement, which can be hard to budget out and make time for. </a:t>
+            </a:r>
+          </a:p>
+          <a:p>
+            <a:pPr lvl="1"/>
+            <a:r>
+              <a:rPr lang="en-US" dirty="0"/>
+              <a:t>For example, certain Bright Futures scholarships require 75-100 community service hours by high school graduation. </a:t>
+            </a:r>
+          </a:p>
+          <a:p>
+            <a:pPr lvl="1"/>
+            <a:r>
+              <a:rPr lang="en-US" dirty="0"/>
+              <a:t>Competitive med school applicants complete over 1000 hours during their undergraduate alone. </a:t>
+            </a:r>
+          </a:p>
+          <a:p>
+            <a:r>
+              <a:rPr lang="en-US" dirty="0"/>
+              <a:t>Our app will help people keep track of how many hours they’ve completed and from where, monitor their progress, and learn about new opportunities.</a:t>
+            </a:r>
+          </a:p>
+          <a:p>
+            <a:br>
+              <a:rPr lang="en-US" dirty="0"/>
+            </a:br>
+            <a:endParaRPr lang="en-US" dirty="0"/>
+          </a:p>
+        </p:txBody>
+      </p:sp>
+      <p:sp>
+        <p:nvSpPr>
+          <p:cNvPr id="4" name="Footer Placeholder 3">
+            <a:extLst>
+              <a:ext uri="{FF2B5EF4-FFF2-40B4-BE49-F238E27FC236}">
+                <a16:creationId xmlns:a16="http://schemas.microsoft.com/office/drawing/2014/main" id="{5B677984-B773-4BCE-9C87-F379C385FD49}"/>
+              </a:ext>
+            </a:extLst>
+          </p:cNvPr>
+          <p:cNvSpPr>
+            <a:spLocks noGrp="1"/>
+          </p:cNvSpPr>
+          <p:nvPr>
+            <p:ph type="ftr" sz="quarter" idx="11"/>
+          </p:nvPr>
+        </p:nvSpPr>
+        <p:spPr/>
+        <p:txBody>
+          <a:bodyPr/>
+          <a:lstStyle/>
+          <a:p>
+            <a:r>
+              <a:rPr lang="en-US" sz="2000" dirty="0"/>
+              <a:t>Group 5</a:t>
             </a:r>
           </a:p>
         </p:txBody>
@@ -4568,13 +6747,291 @@
     </p:spTree>
     <p:extLst>
       <p:ext uri="{BB962C8B-B14F-4D97-AF65-F5344CB8AC3E}">
-        <p14:creationId xmlns:p14="http://schemas.microsoft.com/office/powerpoint/2010/main" val="4094785548"/>
+        <p14:creationId xmlns:p14="http://schemas.microsoft.com/office/powerpoint/2010/main" val="706988843"/>
       </p:ext>
     </p:extLst>
   </p:cSld>
   <p:clrMapOvr>
     <a:masterClrMapping/>
   </p:clrMapOvr>
+  <p:timing>
+    <p:tnLst>
+      <p:par>
+        <p:cTn id="1" dur="indefinite" restart="never" nodeType="tmRoot">
+          <p:childTnLst>
+            <p:seq concurrent="1" nextAc="seek">
+              <p:cTn id="2" dur="indefinite" nodeType="mainSeq">
+                <p:childTnLst>
+                  <p:par>
+                    <p:cTn id="3" fill="hold">
+                      <p:stCondLst>
+                        <p:cond delay="indefinite"/>
+                      </p:stCondLst>
+                      <p:childTnLst>
+                        <p:par>
+                          <p:cTn id="4" fill="hold">
+                            <p:stCondLst>
+                              <p:cond delay="0"/>
+                            </p:stCondLst>
+                            <p:childTnLst>
+                              <p:par>
+                                <p:cTn id="5" presetID="1" presetClass="entr" presetSubtype="0" fill="hold" grpId="0" nodeType="clickEffect">
+                                  <p:stCondLst>
+                                    <p:cond delay="0"/>
+                                  </p:stCondLst>
+                                  <p:childTnLst>
+                                    <p:set>
+                                      <p:cBhvr>
+                                        <p:cTn id="6" dur="1" fill="hold">
+                                          <p:stCondLst>
+                                            <p:cond delay="0"/>
+                                          </p:stCondLst>
+                                        </p:cTn>
+                                        <p:tgtEl>
+                                          <p:spTgt spid="3">
+                                            <p:txEl>
+                                              <p:pRg st="0" end="0"/>
+                                            </p:txEl>
+                                          </p:spTgt>
+                                        </p:tgtEl>
+                                        <p:attrNameLst>
+                                          <p:attrName>style.visibility</p:attrName>
+                                        </p:attrNameLst>
+                                      </p:cBhvr>
+                                      <p:to>
+                                        <p:strVal val="visible"/>
+                                      </p:to>
+                                    </p:set>
+                                  </p:childTnLst>
+                                </p:cTn>
+                              </p:par>
+                            </p:childTnLst>
+                          </p:cTn>
+                        </p:par>
+                      </p:childTnLst>
+                    </p:cTn>
+                  </p:par>
+                  <p:par>
+                    <p:cTn id="7" fill="hold">
+                      <p:stCondLst>
+                        <p:cond delay="indefinite"/>
+                      </p:stCondLst>
+                      <p:childTnLst>
+                        <p:par>
+                          <p:cTn id="8" fill="hold">
+                            <p:stCondLst>
+                              <p:cond delay="0"/>
+                            </p:stCondLst>
+                            <p:childTnLst>
+                              <p:par>
+                                <p:cTn id="9" presetID="1" presetClass="entr" presetSubtype="0" fill="hold" grpId="0" nodeType="clickEffect">
+                                  <p:stCondLst>
+                                    <p:cond delay="0"/>
+                                  </p:stCondLst>
+                                  <p:childTnLst>
+                                    <p:set>
+                                      <p:cBhvr>
+                                        <p:cTn id="10" dur="1" fill="hold">
+                                          <p:stCondLst>
+                                            <p:cond delay="0"/>
+                                          </p:stCondLst>
+                                        </p:cTn>
+                                        <p:tgtEl>
+                                          <p:spTgt spid="3">
+                                            <p:txEl>
+                                              <p:pRg st="1" end="1"/>
+                                            </p:txEl>
+                                          </p:spTgt>
+                                        </p:tgtEl>
+                                        <p:attrNameLst>
+                                          <p:attrName>style.visibility</p:attrName>
+                                        </p:attrNameLst>
+                                      </p:cBhvr>
+                                      <p:to>
+                                        <p:strVal val="visible"/>
+                                      </p:to>
+                                    </p:set>
+                                  </p:childTnLst>
+                                </p:cTn>
+                              </p:par>
+                            </p:childTnLst>
+                          </p:cTn>
+                        </p:par>
+                      </p:childTnLst>
+                    </p:cTn>
+                  </p:par>
+                  <p:par>
+                    <p:cTn id="11" fill="hold">
+                      <p:stCondLst>
+                        <p:cond delay="indefinite"/>
+                      </p:stCondLst>
+                      <p:childTnLst>
+                        <p:par>
+                          <p:cTn id="12" fill="hold">
+                            <p:stCondLst>
+                              <p:cond delay="0"/>
+                            </p:stCondLst>
+                            <p:childTnLst>
+                              <p:par>
+                                <p:cTn id="13" presetID="1" presetClass="entr" presetSubtype="0" fill="hold" grpId="0" nodeType="clickEffect">
+                                  <p:stCondLst>
+                                    <p:cond delay="0"/>
+                                  </p:stCondLst>
+                                  <p:childTnLst>
+                                    <p:set>
+                                      <p:cBhvr>
+                                        <p:cTn id="14" dur="1" fill="hold">
+                                          <p:stCondLst>
+                                            <p:cond delay="0"/>
+                                          </p:stCondLst>
+                                        </p:cTn>
+                                        <p:tgtEl>
+                                          <p:spTgt spid="3">
+                                            <p:txEl>
+                                              <p:pRg st="2" end="2"/>
+                                            </p:txEl>
+                                          </p:spTgt>
+                                        </p:tgtEl>
+                                        <p:attrNameLst>
+                                          <p:attrName>style.visibility</p:attrName>
+                                        </p:attrNameLst>
+                                      </p:cBhvr>
+                                      <p:to>
+                                        <p:strVal val="visible"/>
+                                      </p:to>
+                                    </p:set>
+                                  </p:childTnLst>
+                                </p:cTn>
+                              </p:par>
+                            </p:childTnLst>
+                          </p:cTn>
+                        </p:par>
+                      </p:childTnLst>
+                    </p:cTn>
+                  </p:par>
+                  <p:par>
+                    <p:cTn id="15" fill="hold">
+                      <p:stCondLst>
+                        <p:cond delay="indefinite"/>
+                      </p:stCondLst>
+                      <p:childTnLst>
+                        <p:par>
+                          <p:cTn id="16" fill="hold">
+                            <p:stCondLst>
+                              <p:cond delay="0"/>
+                            </p:stCondLst>
+                            <p:childTnLst>
+                              <p:par>
+                                <p:cTn id="17" presetID="1" presetClass="entr" presetSubtype="0" fill="hold" grpId="0" nodeType="clickEffect">
+                                  <p:stCondLst>
+                                    <p:cond delay="0"/>
+                                  </p:stCondLst>
+                                  <p:childTnLst>
+                                    <p:set>
+                                      <p:cBhvr>
+                                        <p:cTn id="18" dur="1" fill="hold">
+                                          <p:stCondLst>
+                                            <p:cond delay="0"/>
+                                          </p:stCondLst>
+                                        </p:cTn>
+                                        <p:tgtEl>
+                                          <p:spTgt spid="3">
+                                            <p:txEl>
+                                              <p:pRg st="3" end="3"/>
+                                            </p:txEl>
+                                          </p:spTgt>
+                                        </p:tgtEl>
+                                        <p:attrNameLst>
+                                          <p:attrName>style.visibility</p:attrName>
+                                        </p:attrNameLst>
+                                      </p:cBhvr>
+                                      <p:to>
+                                        <p:strVal val="visible"/>
+                                      </p:to>
+                                    </p:set>
+                                  </p:childTnLst>
+                                </p:cTn>
+                              </p:par>
+                            </p:childTnLst>
+                          </p:cTn>
+                        </p:par>
+                      </p:childTnLst>
+                    </p:cTn>
+                  </p:par>
+                  <p:par>
+                    <p:cTn id="19" fill="hold">
+                      <p:stCondLst>
+                        <p:cond delay="indefinite"/>
+                      </p:stCondLst>
+                      <p:childTnLst>
+                        <p:par>
+                          <p:cTn id="20" fill="hold">
+                            <p:stCondLst>
+                              <p:cond delay="0"/>
+                            </p:stCondLst>
+                            <p:childTnLst>
+                              <p:par>
+                                <p:cTn id="21" presetID="1" presetClass="entr" presetSubtype="0" fill="hold" grpId="0" nodeType="clickEffect">
+                                  <p:stCondLst>
+                                    <p:cond delay="0"/>
+                                  </p:stCondLst>
+                                  <p:childTnLst>
+                                    <p:set>
+                                      <p:cBhvr>
+                                        <p:cTn id="22" dur="1" fill="hold">
+                                          <p:stCondLst>
+                                            <p:cond delay="0"/>
+                                          </p:stCondLst>
+                                        </p:cTn>
+                                        <p:tgtEl>
+                                          <p:spTgt spid="3">
+                                            <p:txEl>
+                                              <p:pRg st="4" end="4"/>
+                                            </p:txEl>
+                                          </p:spTgt>
+                                        </p:tgtEl>
+                                        <p:attrNameLst>
+                                          <p:attrName>style.visibility</p:attrName>
+                                        </p:attrNameLst>
+                                      </p:cBhvr>
+                                      <p:to>
+                                        <p:strVal val="visible"/>
+                                      </p:to>
+                                    </p:set>
+                                  </p:childTnLst>
+                                </p:cTn>
+                              </p:par>
+                            </p:childTnLst>
+                          </p:cTn>
+                        </p:par>
+                      </p:childTnLst>
+                    </p:cTn>
+                  </p:par>
+                </p:childTnLst>
+              </p:cTn>
+              <p:prevCondLst>
+                <p:cond evt="onPrev" delay="0">
+                  <p:tgtEl>
+                    <p:sldTgt/>
+                  </p:tgtEl>
+                </p:cond>
+              </p:prevCondLst>
+              <p:nextCondLst>
+                <p:cond evt="onNext" delay="0">
+                  <p:tgtEl>
+                    <p:sldTgt/>
+                  </p:tgtEl>
+                </p:cond>
+              </p:nextCondLst>
+            </p:seq>
+          </p:childTnLst>
+        </p:cTn>
+      </p:par>
+    </p:tnLst>
+    <p:bldLst>
+      <p:bldP spid="3" grpId="0" uiExpand="1" build="p"/>
+    </p:bldLst>
+  </p:timing>
 </p:sld>
 </file>
 
@@ -4600,7 +7057,7 @@
           <p:cNvPr id="2" name="Title 1">
             <a:extLst>
               <a:ext uri="{FF2B5EF4-FFF2-40B4-BE49-F238E27FC236}">
-                <a16:creationId xmlns:a16="http://schemas.microsoft.com/office/drawing/2014/main" id="{02D379CD-B4A8-4F40-B2BE-366BCD1FDD35}"/>
+                <a16:creationId xmlns:a16="http://schemas.microsoft.com/office/drawing/2014/main" id="{A4B27F3B-3AB5-4812-8BDC-222871709EF2}"/>
               </a:ext>
             </a:extLst>
           </p:cNvPr>
@@ -4616,7 +7073,10 @@
           <a:bodyPr/>
           <a:lstStyle/>
           <a:p>
-            <a:endParaRPr lang="en-US"/>
+            <a:r>
+              <a:rPr lang="en-US" dirty="0"/>
+              <a:t>Project Concept - Market</a:t>
+            </a:r>
           </a:p>
         </p:txBody>
       </p:sp>
@@ -4625,7 +7085,7 @@
           <p:cNvPr id="3" name="Content Placeholder 2">
             <a:extLst>
               <a:ext uri="{FF2B5EF4-FFF2-40B4-BE49-F238E27FC236}">
-                <a16:creationId xmlns:a16="http://schemas.microsoft.com/office/drawing/2014/main" id="{5B18906E-D562-4CEB-8631-3072F66EDA9B}"/>
+                <a16:creationId xmlns:a16="http://schemas.microsoft.com/office/drawing/2014/main" id="{BE2C9698-9EE2-4FD7-B459-BC091952A854}"/>
               </a:ext>
             </a:extLst>
           </p:cNvPr>
@@ -4643,7 +7103,55 @@
           <a:p>
             <a:r>
               <a:rPr lang="en-US" dirty="0"/>
-              <a:t>“what you expect to encounter”</a:t>
+              <a:t>People who want to keep track of how many community service hours they have completed and track progress toward a goal</a:t>
+            </a:r>
+          </a:p>
+          <a:p>
+            <a:pPr lvl="1"/>
+            <a:r>
+              <a:rPr lang="en-US" dirty="0"/>
+              <a:t>Students</a:t>
+            </a:r>
+          </a:p>
+          <a:p>
+            <a:pPr lvl="1"/>
+            <a:r>
+              <a:rPr lang="en-US" dirty="0"/>
+              <a:t>Professionals at companies that donate to NPOs when their employees volunteer</a:t>
+            </a:r>
+          </a:p>
+          <a:p>
+            <a:r>
+              <a:rPr lang="en-US" dirty="0"/>
+              <a:t>People who want to discover new volunteer opportunities similar to their current ones</a:t>
+            </a:r>
+          </a:p>
+        </p:txBody>
+      </p:sp>
+      <p:sp>
+        <p:nvSpPr>
+          <p:cNvPr id="4" name="Footer Placeholder 3">
+            <a:extLst>
+              <a:ext uri="{FF2B5EF4-FFF2-40B4-BE49-F238E27FC236}">
+                <a16:creationId xmlns:a16="http://schemas.microsoft.com/office/drawing/2014/main" id="{5B677984-B773-4BCE-9C87-F379C385FD49}"/>
+              </a:ext>
+            </a:extLst>
+          </p:cNvPr>
+          <p:cNvSpPr>
+            <a:spLocks noGrp="1"/>
+          </p:cNvSpPr>
+          <p:nvPr>
+            <p:ph type="ftr" sz="quarter" idx="11"/>
+          </p:nvPr>
+        </p:nvSpPr>
+        <p:spPr/>
+        <p:txBody>
+          <a:bodyPr/>
+          <a:lstStyle/>
+          <a:p>
+            <a:r>
+              <a:rPr lang="en-US" sz="2000" dirty="0"/>
+              <a:t>Group 5</a:t>
             </a:r>
           </a:p>
         </p:txBody>
@@ -4651,7 +7159,7 @@
     </p:spTree>
     <p:extLst>
       <p:ext uri="{BB962C8B-B14F-4D97-AF65-F5344CB8AC3E}">
-        <p14:creationId xmlns:p14="http://schemas.microsoft.com/office/powerpoint/2010/main" val="150748384"/>
+        <p14:creationId xmlns:p14="http://schemas.microsoft.com/office/powerpoint/2010/main" val="2408066309"/>
       </p:ext>
     </p:extLst>
   </p:cSld>
@@ -4683,7 +7191,7 @@
           <p:cNvPr id="2" name="Title 1">
             <a:extLst>
               <a:ext uri="{FF2B5EF4-FFF2-40B4-BE49-F238E27FC236}">
-                <a16:creationId xmlns:a16="http://schemas.microsoft.com/office/drawing/2014/main" id="{8298BFBF-14CA-409B-B903-9B552C173060}"/>
+                <a16:creationId xmlns:a16="http://schemas.microsoft.com/office/drawing/2014/main" id="{A4B27F3B-3AB5-4812-8BDC-222871709EF2}"/>
               </a:ext>
             </a:extLst>
           </p:cNvPr>
@@ -4699,7 +7207,10 @@
           <a:bodyPr/>
           <a:lstStyle/>
           <a:p>
-            <a:endParaRPr lang="en-US"/>
+            <a:r>
+              <a:rPr lang="en-US" dirty="0"/>
+              <a:t>Project Concept – Stretch Goals</a:t>
+            </a:r>
           </a:p>
         </p:txBody>
       </p:sp>
@@ -4708,7 +7219,7 @@
           <p:cNvPr id="3" name="Content Placeholder 2">
             <a:extLst>
               <a:ext uri="{FF2B5EF4-FFF2-40B4-BE49-F238E27FC236}">
-                <a16:creationId xmlns:a16="http://schemas.microsoft.com/office/drawing/2014/main" id="{F45044F3-3605-44ED-B181-D9F8B56C5B25}"/>
+                <a16:creationId xmlns:a16="http://schemas.microsoft.com/office/drawing/2014/main" id="{BE2C9698-9EE2-4FD7-B459-BC091952A854}"/>
               </a:ext>
             </a:extLst>
           </p:cNvPr>
@@ -4724,9 +7235,34 @@
           <a:bodyPr/>
           <a:lstStyle/>
           <a:p>
-            <a:r>
-              <a:rPr lang="en-US" dirty="0"/>
-              <a:t>“enough supporting information to make your case”</a:t>
+            <a:endParaRPr lang="en-US" dirty="0"/>
+          </a:p>
+        </p:txBody>
+      </p:sp>
+      <p:sp>
+        <p:nvSpPr>
+          <p:cNvPr id="4" name="Footer Placeholder 3">
+            <a:extLst>
+              <a:ext uri="{FF2B5EF4-FFF2-40B4-BE49-F238E27FC236}">
+                <a16:creationId xmlns:a16="http://schemas.microsoft.com/office/drawing/2014/main" id="{5B677984-B773-4BCE-9C87-F379C385FD49}"/>
+              </a:ext>
+            </a:extLst>
+          </p:cNvPr>
+          <p:cNvSpPr>
+            <a:spLocks noGrp="1"/>
+          </p:cNvSpPr>
+          <p:nvPr>
+            <p:ph type="ftr" sz="quarter" idx="11"/>
+          </p:nvPr>
+        </p:nvSpPr>
+        <p:spPr/>
+        <p:txBody>
+          <a:bodyPr/>
+          <a:lstStyle/>
+          <a:p>
+            <a:r>
+              <a:rPr lang="en-US" sz="2000" dirty="0"/>
+              <a:t>Group 5</a:t>
             </a:r>
           </a:p>
         </p:txBody>
@@ -4734,7 +7270,7 @@
     </p:spTree>
     <p:extLst>
       <p:ext uri="{BB962C8B-B14F-4D97-AF65-F5344CB8AC3E}">
-        <p14:creationId xmlns:p14="http://schemas.microsoft.com/office/powerpoint/2010/main" val="4292422505"/>
+        <p14:creationId xmlns:p14="http://schemas.microsoft.com/office/powerpoint/2010/main" val="3679879582"/>
       </p:ext>
     </p:extLst>
   </p:cSld>
@@ -4766,7 +7302,7 @@
           <p:cNvPr id="2" name="Title 1">
             <a:extLst>
               <a:ext uri="{FF2B5EF4-FFF2-40B4-BE49-F238E27FC236}">
-                <a16:creationId xmlns:a16="http://schemas.microsoft.com/office/drawing/2014/main" id="{4512550F-E7F6-47C7-839D-EAF65A2544FE}"/>
+                <a16:creationId xmlns:a16="http://schemas.microsoft.com/office/drawing/2014/main" id="{690D02B1-C352-448D-A11C-A34C8E6794D5}"/>
               </a:ext>
             </a:extLst>
           </p:cNvPr>
@@ -4784,7 +7320,7 @@
           <a:p>
             <a:r>
               <a:rPr lang="en-US" dirty="0"/>
-              <a:t>UML</a:t>
+              <a:t>Team Organization</a:t>
             </a:r>
           </a:p>
         </p:txBody>
@@ -4794,7 +7330,7 @@
           <p:cNvPr id="3" name="Content Placeholder 2">
             <a:extLst>
               <a:ext uri="{FF2B5EF4-FFF2-40B4-BE49-F238E27FC236}">
-                <a16:creationId xmlns:a16="http://schemas.microsoft.com/office/drawing/2014/main" id="{D2D50C29-6391-4CF1-A064-B16EE9EFE10E}"/>
+                <a16:creationId xmlns:a16="http://schemas.microsoft.com/office/drawing/2014/main" id="{E8E30FF5-B121-41E4-977A-F5146F4104E2}"/>
               </a:ext>
             </a:extLst>
           </p:cNvPr>
@@ -4810,14 +7346,57 @@
           <a:bodyPr/>
           <a:lstStyle/>
           <a:p>
-            <a:endParaRPr lang="en-US"/>
+            <a:r>
+              <a:rPr lang="en-US" dirty="0"/>
+              <a:t>Project Management</a:t>
+            </a:r>
+          </a:p>
+          <a:p>
+            <a:r>
+              <a:rPr lang="en-US" dirty="0"/>
+              <a:t>Testing</a:t>
+            </a:r>
+          </a:p>
+          <a:p>
+            <a:r>
+              <a:rPr lang="en-US" dirty="0"/>
+              <a:t>???</a:t>
+            </a:r>
+          </a:p>
+        </p:txBody>
+      </p:sp>
+      <p:sp>
+        <p:nvSpPr>
+          <p:cNvPr id="4" name="Footer Placeholder 3">
+            <a:extLst>
+              <a:ext uri="{FF2B5EF4-FFF2-40B4-BE49-F238E27FC236}">
+                <a16:creationId xmlns:a16="http://schemas.microsoft.com/office/drawing/2014/main" id="{6D55707D-956A-4A7D-A0A9-683598765C1C}"/>
+              </a:ext>
+            </a:extLst>
+          </p:cNvPr>
+          <p:cNvSpPr>
+            <a:spLocks noGrp="1"/>
+          </p:cNvSpPr>
+          <p:nvPr>
+            <p:ph type="ftr" sz="quarter" idx="11"/>
+          </p:nvPr>
+        </p:nvSpPr>
+        <p:spPr/>
+        <p:txBody>
+          <a:bodyPr/>
+          <a:lstStyle/>
+          <a:p>
+            <a:r>
+              <a:rPr lang="en-US" sz="2000" dirty="0"/>
+              <a:t>Group 5</a:t>
+            </a:r>
           </a:p>
         </p:txBody>
       </p:sp>
     </p:spTree>
     <p:extLst>
       <p:ext uri="{BB962C8B-B14F-4D97-AF65-F5344CB8AC3E}">
-        <p14:creationId xmlns:p14="http://schemas.microsoft.com/office/powerpoint/2010/main" val="510797634"/>
+        <p14:creationId xmlns:p14="http://schemas.microsoft.com/office/powerpoint/2010/main" val="4094785548"/>
       </p:ext>
     </p:extLst>
   </p:cSld>
@@ -4849,7 +7428,7 @@
           <p:cNvPr id="2" name="Title 1">
             <a:extLst>
               <a:ext uri="{FF2B5EF4-FFF2-40B4-BE49-F238E27FC236}">
-                <a16:creationId xmlns:a16="http://schemas.microsoft.com/office/drawing/2014/main" id="{A8AA9FB4-60D8-4FA7-80C0-5CBED74F51AC}"/>
+                <a16:creationId xmlns:a16="http://schemas.microsoft.com/office/drawing/2014/main" id="{690D02B1-C352-448D-A11C-A34C8E6794D5}"/>
               </a:ext>
             </a:extLst>
           </p:cNvPr>
@@ -4867,7 +7446,7 @@
           <a:p>
             <a:r>
               <a:rPr lang="en-US" dirty="0"/>
-              <a:t>ERD</a:t>
+              <a:t>Methodologies</a:t>
             </a:r>
           </a:p>
         </p:txBody>
@@ -4877,7 +7456,7 @@
           <p:cNvPr id="3" name="Content Placeholder 2">
             <a:extLst>
               <a:ext uri="{FF2B5EF4-FFF2-40B4-BE49-F238E27FC236}">
-                <a16:creationId xmlns:a16="http://schemas.microsoft.com/office/drawing/2014/main" id="{954C2AE5-9C99-42EC-892A-1F1C9E41B174}"/>
+                <a16:creationId xmlns:a16="http://schemas.microsoft.com/office/drawing/2014/main" id="{E8E30FF5-B121-41E4-977A-F5146F4104E2}"/>
               </a:ext>
             </a:extLst>
           </p:cNvPr>
@@ -4893,14 +7472,168 @@
           <a:bodyPr/>
           <a:lstStyle/>
           <a:p>
-            <a:endParaRPr lang="en-US"/>
+            <a:r>
+              <a:rPr lang="en-US" dirty="0"/>
+              <a:t>“what it will take to get it done”</a:t>
+            </a:r>
+          </a:p>
+          <a:p>
+            <a:r>
+              <a:rPr lang="en-US" dirty="0"/>
+              <a:t>“What will your team do to get the project complete. ”</a:t>
+            </a:r>
+          </a:p>
+        </p:txBody>
+      </p:sp>
+      <p:sp>
+        <p:nvSpPr>
+          <p:cNvPr id="4" name="Footer Placeholder 3">
+            <a:extLst>
+              <a:ext uri="{FF2B5EF4-FFF2-40B4-BE49-F238E27FC236}">
+                <a16:creationId xmlns:a16="http://schemas.microsoft.com/office/drawing/2014/main" id="{6D55707D-956A-4A7D-A0A9-683598765C1C}"/>
+              </a:ext>
+            </a:extLst>
+          </p:cNvPr>
+          <p:cNvSpPr>
+            <a:spLocks noGrp="1"/>
+          </p:cNvSpPr>
+          <p:nvPr>
+            <p:ph type="ftr" sz="quarter" idx="11"/>
+          </p:nvPr>
+        </p:nvSpPr>
+        <p:spPr/>
+        <p:txBody>
+          <a:bodyPr/>
+          <a:lstStyle/>
+          <a:p>
+            <a:r>
+              <a:rPr lang="en-US" sz="2000" dirty="0"/>
+              <a:t>Group 5</a:t>
+            </a:r>
           </a:p>
         </p:txBody>
       </p:sp>
     </p:spTree>
     <p:extLst>
       <p:ext uri="{BB962C8B-B14F-4D97-AF65-F5344CB8AC3E}">
-        <p14:creationId xmlns:p14="http://schemas.microsoft.com/office/powerpoint/2010/main" val="1054131768"/>
+        <p14:creationId xmlns:p14="http://schemas.microsoft.com/office/powerpoint/2010/main" val="2972251745"/>
+      </p:ext>
+    </p:extLst>
+  </p:cSld>
+  <p:clrMapOvr>
+    <a:masterClrMapping/>
+  </p:clrMapOvr>
+</p:sld>
+</file>
+
+<file path=ppt/slides/slide9.xml><?xml version="1.0" encoding="utf-8"?>
+<p:sld xmlns:a="http://schemas.openxmlformats.org/drawingml/2006/main" xmlns:r="http://schemas.openxmlformats.org/officeDocument/2006/relationships" xmlns:p="http://schemas.openxmlformats.org/presentationml/2006/main">
+  <p:cSld>
+    <p:spTree>
+      <p:nvGrpSpPr>
+        <p:cNvPr id="1" name=""/>
+        <p:cNvGrpSpPr/>
+        <p:nvPr/>
+      </p:nvGrpSpPr>
+      <p:grpSpPr>
+        <a:xfrm>
+          <a:off x="0" y="0"/>
+          <a:ext cx="0" cy="0"/>
+          <a:chOff x="0" y="0"/>
+          <a:chExt cx="0" cy="0"/>
+        </a:xfrm>
+      </p:grpSpPr>
+      <p:sp>
+        <p:nvSpPr>
+          <p:cNvPr id="2" name="Title 1">
+            <a:extLst>
+              <a:ext uri="{FF2B5EF4-FFF2-40B4-BE49-F238E27FC236}">
+                <a16:creationId xmlns:a16="http://schemas.microsoft.com/office/drawing/2014/main" id="{690D02B1-C352-448D-A11C-A34C8E6794D5}"/>
+              </a:ext>
+            </a:extLst>
+          </p:cNvPr>
+          <p:cNvSpPr>
+            <a:spLocks noGrp="1"/>
+          </p:cNvSpPr>
+          <p:nvPr>
+            <p:ph type="title"/>
+          </p:nvPr>
+        </p:nvSpPr>
+        <p:spPr/>
+        <p:txBody>
+          <a:bodyPr/>
+          <a:lstStyle/>
+          <a:p>
+            <a:endParaRPr lang="en-US" dirty="0"/>
+          </a:p>
+        </p:txBody>
+      </p:sp>
+      <p:sp>
+        <p:nvSpPr>
+          <p:cNvPr id="3" name="Content Placeholder 2">
+            <a:extLst>
+              <a:ext uri="{FF2B5EF4-FFF2-40B4-BE49-F238E27FC236}">
+                <a16:creationId xmlns:a16="http://schemas.microsoft.com/office/drawing/2014/main" id="{E8E30FF5-B121-41E4-977A-F5146F4104E2}"/>
+              </a:ext>
+            </a:extLst>
+          </p:cNvPr>
+          <p:cNvSpPr>
+            <a:spLocks noGrp="1"/>
+          </p:cNvSpPr>
+          <p:nvPr>
+            <p:ph idx="1"/>
+          </p:nvPr>
+        </p:nvSpPr>
+        <p:spPr/>
+        <p:txBody>
+          <a:bodyPr/>
+          <a:lstStyle/>
+          <a:p>
+            <a:r>
+              <a:rPr lang="en-US" dirty="0"/>
+              <a:t>“what it will take to get it done”</a:t>
+            </a:r>
+          </a:p>
+          <a:p>
+            <a:r>
+              <a:rPr lang="en-US" dirty="0"/>
+              <a:t>“What will your team do to get the project complete. ”</a:t>
+            </a:r>
+          </a:p>
+        </p:txBody>
+      </p:sp>
+      <p:sp>
+        <p:nvSpPr>
+          <p:cNvPr id="4" name="Footer Placeholder 3">
+            <a:extLst>
+              <a:ext uri="{FF2B5EF4-FFF2-40B4-BE49-F238E27FC236}">
+                <a16:creationId xmlns:a16="http://schemas.microsoft.com/office/drawing/2014/main" id="{6D55707D-956A-4A7D-A0A9-683598765C1C}"/>
+              </a:ext>
+            </a:extLst>
+          </p:cNvPr>
+          <p:cNvSpPr>
+            <a:spLocks noGrp="1"/>
+          </p:cNvSpPr>
+          <p:nvPr>
+            <p:ph type="ftr" sz="quarter" idx="11"/>
+          </p:nvPr>
+        </p:nvSpPr>
+        <p:spPr/>
+        <p:txBody>
+          <a:bodyPr/>
+          <a:lstStyle/>
+          <a:p>
+            <a:r>
+              <a:rPr lang="en-US" sz="2000" dirty="0"/>
+              <a:t>Group 5</a:t>
+            </a:r>
+          </a:p>
+        </p:txBody>
+      </p:sp>
+    </p:spTree>
+    <p:extLst>
+      <p:ext uri="{BB962C8B-B14F-4D97-AF65-F5344CB8AC3E}">
+        <p14:creationId xmlns:p14="http://schemas.microsoft.com/office/powerpoint/2010/main" val="2545283963"/>
       </p:ext>
     </p:extLst>
   </p:cSld>
@@ -5189,4 +7922,299 @@
     </a:ext>
   </a:extLst>
 </a:theme>
+</file>
+
+<file path=ppt/theme/theme2.xml><?xml version="1.0" encoding="utf-8"?>
+<a:theme xmlns:a="http://schemas.openxmlformats.org/drawingml/2006/main" name="Office Theme">
+  <a:themeElements>
+    <a:clrScheme name="Office">
+      <a:dk1>
+        <a:sysClr val="windowText" lastClr="000000"/>
+      </a:dk1>
+      <a:lt1>
+        <a:sysClr val="window" lastClr="FFFFFF"/>
+      </a:lt1>
+      <a:dk2>
+        <a:srgbClr val="44546A"/>
+      </a:dk2>
+      <a:lt2>
+        <a:srgbClr val="E7E6E6"/>
+      </a:lt2>
+      <a:accent1>
+        <a:srgbClr val="4472C4"/>
+      </a:accent1>
+      <a:accent2>
+        <a:srgbClr val="ED7D31"/>
+      </a:accent2>
+      <a:accent3>
+        <a:srgbClr val="A5A5A5"/>
+      </a:accent3>
+      <a:accent4>
+        <a:srgbClr val="FFC000"/>
+      </a:accent4>
+      <a:accent5>
+        <a:srgbClr val="5B9BD5"/>
+      </a:accent5>
+      <a:accent6>
+        <a:srgbClr val="70AD47"/>
+      </a:accent6>
+      <a:hlink>
+        <a:srgbClr val="0563C1"/>
+      </a:hlink>
+      <a:folHlink>
+        <a:srgbClr val="954F72"/>
+      </a:folHlink>
+    </a:clrScheme>
+    <a:fontScheme name="Office">
+      <a:majorFont>
+        <a:latin typeface="Calibri Light" panose="020F0302020204030204"/>
+        <a:ea typeface=""/>
+        <a:cs typeface=""/>
+        <a:font script="Jpan" typeface="游ゴシック Light"/>
+        <a:font script="Hang" typeface="맑은 고딕"/>
+        <a:font script="Hans" typeface="等线 Light"/>
+        <a:font script="Hant" typeface="新細明體"/>
+        <a:font script="Arab" typeface="Times New Roman"/>
+        <a:font script="Hebr" typeface="Times New Roman"/>
+        <a:font script="Thai" typeface="Angsana New"/>
+        <a:font script="Ethi" typeface="Nyala"/>
+        <a:font script="Beng" typeface="Vrinda"/>
+        <a:font script="Gujr" typeface="Shruti"/>
+        <a:font script="Khmr" typeface="MoolBoran"/>
+        <a:font script="Knda" typeface="Tunga"/>
+        <a:font script="Guru" typeface="Raavi"/>
+        <a:font script="Cans" typeface="Euphemia"/>
+        <a:font script="Cher" typeface="Plantagenet Cherokee"/>
+        <a:font script="Yiii" typeface="Microsoft Yi Baiti"/>
+        <a:font script="Tibt" typeface="Microsoft Himalaya"/>
+        <a:font script="Thaa" typeface="MV Boli"/>
+        <a:font script="Deva" typeface="Mangal"/>
+        <a:font script="Telu" typeface="Gautami"/>
+        <a:font script="Taml" typeface="Latha"/>
+        <a:font script="Syrc" typeface="Estrangelo Edessa"/>
+        <a:font script="Orya" typeface="Kalinga"/>
+        <a:font script="Mlym" typeface="Kartika"/>
+        <a:font script="Laoo" typeface="DokChampa"/>
+        <a:font script="Sinh" typeface="Iskoola Pota"/>
+        <a:font script="Mong" typeface="Mongolian Baiti"/>
+        <a:font script="Viet" typeface="Times New Roman"/>
+        <a:font script="Uigh" typeface="Microsoft Uighur"/>
+        <a:font script="Geor" typeface="Sylfaen"/>
+        <a:font script="Armn" typeface="Arial"/>
+        <a:font script="Bugi" typeface="Leelawadee UI"/>
+        <a:font script="Bopo" typeface="Microsoft JhengHei"/>
+        <a:font script="Java" typeface="Javanese Text"/>
+        <a:font script="Lisu" typeface="Segoe UI"/>
+        <a:font script="Mymr" typeface="Myanmar Text"/>
+        <a:font script="Nkoo" typeface="Ebrima"/>
+        <a:font script="Olck" typeface="Nirmala UI"/>
+        <a:font script="Osma" typeface="Ebrima"/>
+        <a:font script="Phag" typeface="Phagspa"/>
+        <a:font script="Syrn" typeface="Estrangelo Edessa"/>
+        <a:font script="Syrj" typeface="Estrangelo Edessa"/>
+        <a:font script="Syre" typeface="Estrangelo Edessa"/>
+        <a:font script="Sora" typeface="Nirmala UI"/>
+        <a:font script="Tale" typeface="Microsoft Tai Le"/>
+        <a:font script="Talu" typeface="Microsoft New Tai Lue"/>
+        <a:font script="Tfng" typeface="Ebrima"/>
+      </a:majorFont>
+      <a:minorFont>
+        <a:latin typeface="Calibri" panose="020F0502020204030204"/>
+        <a:ea typeface=""/>
+        <a:cs typeface=""/>
+        <a:font script="Jpan" typeface="游ゴシック"/>
+        <a:font script="Hang" typeface="맑은 고딕"/>
+        <a:font script="Hans" typeface="等线"/>
+        <a:font script="Hant" typeface="新細明體"/>
+        <a:font script="Arab" typeface="Arial"/>
+        <a:font script="Hebr" typeface="Arial"/>
+        <a:font script="Thai" typeface="Cordia New"/>
+        <a:font script="Ethi" typeface="Nyala"/>
+        <a:font script="Beng" typeface="Vrinda"/>
+        <a:font script="Gujr" typeface="Shruti"/>
+        <a:font script="Khmr" typeface="DaunPenh"/>
+        <a:font script="Knda" typeface="Tunga"/>
+        <a:font script="Guru" typeface="Raavi"/>
+        <a:font script="Cans" typeface="Euphemia"/>
+        <a:font script="Cher" typeface="Plantagenet Cherokee"/>
+        <a:font script="Yiii" typeface="Microsoft Yi Baiti"/>
+        <a:font script="Tibt" typeface="Microsoft Himalaya"/>
+        <a:font script="Thaa" typeface="MV Boli"/>
+        <a:font script="Deva" typeface="Mangal"/>
+        <a:font script="Telu" typeface="Gautami"/>
+        <a:font script="Taml" typeface="Latha"/>
+        <a:font script="Syrc" typeface="Estrangelo Edessa"/>
+        <a:font script="Orya" typeface="Kalinga"/>
+        <a:font script="Mlym" typeface="Kartika"/>
+        <a:font script="Laoo" typeface="DokChampa"/>
+        <a:font script="Sinh" typeface="Iskoola Pota"/>
+        <a:font script="Mong" typeface="Mongolian Baiti"/>
+        <a:font script="Viet" typeface="Arial"/>
+        <a:font script="Uigh" typeface="Microsoft Uighur"/>
+        <a:font script="Geor" typeface="Sylfaen"/>
+        <a:font script="Armn" typeface="Arial"/>
+        <a:font script="Bugi" typeface="Leelawadee UI"/>
+        <a:font script="Bopo" typeface="Microsoft JhengHei"/>
+        <a:font script="Java" typeface="Javanese Text"/>
+        <a:font script="Lisu" typeface="Segoe UI"/>
+        <a:font script="Mymr" typeface="Myanmar Text"/>
+        <a:font script="Nkoo" typeface="Ebrima"/>
+        <a:font script="Olck" typeface="Nirmala UI"/>
+        <a:font script="Osma" typeface="Ebrima"/>
+        <a:font script="Phag" typeface="Phagspa"/>
+        <a:font script="Syrn" typeface="Estrangelo Edessa"/>
+        <a:font script="Syrj" typeface="Estrangelo Edessa"/>
+        <a:font script="Syre" typeface="Estrangelo Edessa"/>
+        <a:font script="Sora" typeface="Nirmala UI"/>
+        <a:font script="Tale" typeface="Microsoft Tai Le"/>
+        <a:font script="Talu" typeface="Microsoft New Tai Lue"/>
+        <a:font script="Tfng" typeface="Ebrima"/>
+      </a:minorFont>
+    </a:fontScheme>
+    <a:fmtScheme name="Office">
+      <a:fillStyleLst>
+        <a:solidFill>
+          <a:schemeClr val="phClr"/>
+        </a:solidFill>
+        <a:gradFill rotWithShape="1">
+          <a:gsLst>
+            <a:gs pos="0">
+              <a:schemeClr val="phClr">
+                <a:lumMod val="110000"/>
+                <a:satMod val="105000"/>
+                <a:tint val="67000"/>
+              </a:schemeClr>
+            </a:gs>
+            <a:gs pos="50000">
+              <a:schemeClr val="phClr">
+                <a:lumMod val="105000"/>
+                <a:satMod val="103000"/>
+                <a:tint val="73000"/>
+              </a:schemeClr>
+            </a:gs>
+            <a:gs pos="100000">
+              <a:schemeClr val="phClr">
+                <a:lumMod val="105000"/>
+                <a:satMod val="109000"/>
+                <a:tint val="81000"/>
+              </a:schemeClr>
+            </a:gs>
+          </a:gsLst>
+          <a:lin ang="5400000" scaled="0"/>
+        </a:gradFill>
+        <a:gradFill rotWithShape="1">
+          <a:gsLst>
+            <a:gs pos="0">
+              <a:schemeClr val="phClr">
+                <a:satMod val="103000"/>
+                <a:lumMod val="102000"/>
+                <a:tint val="94000"/>
+              </a:schemeClr>
+            </a:gs>
+            <a:gs pos="50000">
+              <a:schemeClr val="phClr">
+                <a:satMod val="110000"/>
+                <a:lumMod val="100000"/>
+                <a:shade val="100000"/>
+              </a:schemeClr>
+            </a:gs>
+            <a:gs pos="100000">
+              <a:schemeClr val="phClr">
+                <a:lumMod val="99000"/>
+                <a:satMod val="120000"/>
+                <a:shade val="78000"/>
+              </a:schemeClr>
+            </a:gs>
+          </a:gsLst>
+          <a:lin ang="5400000" scaled="0"/>
+        </a:gradFill>
+      </a:fillStyleLst>
+      <a:lnStyleLst>
+        <a:ln w="6350" cap="flat" cmpd="sng" algn="ctr">
+          <a:solidFill>
+            <a:schemeClr val="phClr"/>
+          </a:solidFill>
+          <a:prstDash val="solid"/>
+          <a:miter lim="800000"/>
+        </a:ln>
+        <a:ln w="12700" cap="flat" cmpd="sng" algn="ctr">
+          <a:solidFill>
+            <a:schemeClr val="phClr"/>
+          </a:solidFill>
+          <a:prstDash val="solid"/>
+          <a:miter lim="800000"/>
+        </a:ln>
+        <a:ln w="19050" cap="flat" cmpd="sng" algn="ctr">
+          <a:solidFill>
+            <a:schemeClr val="phClr"/>
+          </a:solidFill>
+          <a:prstDash val="solid"/>
+          <a:miter lim="800000"/>
+        </a:ln>
+      </a:lnStyleLst>
+      <a:effectStyleLst>
+        <a:effectStyle>
+          <a:effectLst/>
+        </a:effectStyle>
+        <a:effectStyle>
+          <a:effectLst/>
+        </a:effectStyle>
+        <a:effectStyle>
+          <a:effectLst>
+            <a:outerShdw blurRad="57150" dist="19050" dir="5400000" algn="ctr" rotWithShape="0">
+              <a:srgbClr val="000000">
+                <a:alpha val="63000"/>
+              </a:srgbClr>
+            </a:outerShdw>
+          </a:effectLst>
+        </a:effectStyle>
+      </a:effectStyleLst>
+      <a:bgFillStyleLst>
+        <a:solidFill>
+          <a:schemeClr val="phClr"/>
+        </a:solidFill>
+        <a:solidFill>
+          <a:schemeClr val="phClr">
+            <a:tint val="95000"/>
+            <a:satMod val="170000"/>
+          </a:schemeClr>
+        </a:solidFill>
+        <a:gradFill rotWithShape="1">
+          <a:gsLst>
+            <a:gs pos="0">
+              <a:schemeClr val="phClr">
+                <a:tint val="93000"/>
+                <a:satMod val="150000"/>
+                <a:shade val="98000"/>
+                <a:lumMod val="102000"/>
+              </a:schemeClr>
+            </a:gs>
+            <a:gs pos="50000">
+              <a:schemeClr val="phClr">
+                <a:tint val="98000"/>
+                <a:satMod val="130000"/>
+                <a:shade val="90000"/>
+                <a:lumMod val="103000"/>
+              </a:schemeClr>
+            </a:gs>
+            <a:gs pos="100000">
+              <a:schemeClr val="phClr">
+                <a:shade val="63000"/>
+                <a:satMod val="120000"/>
+              </a:schemeClr>
+            </a:gs>
+          </a:gsLst>
+          <a:lin ang="5400000" scaled="0"/>
+        </a:gradFill>
+      </a:bgFillStyleLst>
+    </a:fmtScheme>
+  </a:themeElements>
+  <a:objectDefaults/>
+  <a:extraClrSchemeLst/>
+  <a:extLst>
+    <a:ext uri="{05A4C25C-085E-4340-85A3-A5531E510DB2}">
+      <thm15:themeFamily xmlns:thm15="http://schemas.microsoft.com/office/thememl/2012/main" name="Office Theme" id="{62F939B6-93AF-4DB8-9C6B-D6C7DFDC589F}" vid="{4A3C46E8-61CC-4603-A589-7422A47A8E4A}"/>
+    </a:ext>
+  </a:extLst>
+</a:theme>
 </file>
--- a/Presentation 1.pptx
+++ b/Presentation 1.pptx
@@ -6450,6 +6450,17 @@
               <a:rPr lang="en-US" dirty="0"/>
               <a:t>Krystal Siler</a:t>
             </a:r>
+          </a:p>
+          <a:p>
+            <a:r>
+              <a:rPr lang="en-US" dirty="0"/>
+              <a:t>Lorraine </a:t>
+            </a:r>
+            <a:r>
+              <a:rPr lang="en-US"/>
+              <a:t>Yerger</a:t>
+            </a:r>
+            <a:endParaRPr lang="en-US" dirty="0"/>
           </a:p>
           <a:p>
             <a:r>
